--- a/slides/guest-lectures-wien-2025/lecture2-cdclt.pptx
+++ b/slides/guest-lectures-wien-2025/lecture2-cdclt.pptx
@@ -9,11 +9,11 @@
   </p:notesMasterIdLst>
   <p:sldIdLst>
     <p:sldId id="256" r:id="rId5"/>
-    <p:sldId id="2146847128" r:id="rId6"/>
-    <p:sldId id="2146847257" r:id="rId7"/>
-    <p:sldId id="877" r:id="rId8"/>
-    <p:sldId id="2146847175" r:id="rId9"/>
-    <p:sldId id="845" r:id="rId10"/>
+    <p:sldId id="877" r:id="rId6"/>
+    <p:sldId id="845" r:id="rId7"/>
+    <p:sldId id="2146847128" r:id="rId8"/>
+    <p:sldId id="2146847257" r:id="rId9"/>
+    <p:sldId id="2146847175" r:id="rId10"/>
     <p:sldId id="2076136319" r:id="rId11"/>
     <p:sldId id="2146847205" r:id="rId12"/>
     <p:sldId id="2146847165" r:id="rId13"/>
@@ -3238,7 +3238,7 @@
           <a:p>
             <a:fld id="{E0060B70-99F6-46DC-AC28-61E24B2D140B}" type="datetimeFigureOut">
               <a:rPr lang="en-US" smtClean="0"/>
-              <a:t>10/4/2025</a:t>
+              <a:t>10/10/2025</a:t>
             </a:fld>
             <a:endParaRPr lang="en-US"/>
           </a:p>
@@ -3759,7 +3759,7 @@
                 <a:tabLst/>
                 <a:defRPr/>
               </a:pPr>
-              <a:t>10/4/2025 6:04 PM</a:t>
+              <a:t>10/10/2025 7:47 PM</a:t>
             </a:fld>
             <a:endParaRPr kumimoji="0" lang="en-US" sz="1200" b="0" i="0" u="none" strike="noStrike" kern="1200" cap="none" spc="0" normalizeH="0" baseline="0" noProof="0">
               <a:ln>
@@ -4003,7 +4003,7 @@
                 <a:tabLst/>
                 <a:defRPr/>
               </a:pPr>
-              <a:t>6</a:t>
+              <a:t>3</a:t>
             </a:fld>
             <a:endParaRPr kumimoji="0" lang="en-US" sz="1200" b="0" i="0" u="none" strike="noStrike" kern="1200" cap="none" spc="0" normalizeH="0" baseline="0" noProof="0">
               <a:ln>
@@ -4351,7 +4351,7 @@
           <a:p>
             <a:fld id="{D71F6AB6-6FBF-4B63-A5C3-90DEBBF6936C}" type="datetimeFigureOut">
               <a:rPr lang="en-US" smtClean="0"/>
-              <a:t>10/4/2025</a:t>
+              <a:t>10/10/2025</a:t>
             </a:fld>
             <a:endParaRPr lang="en-US"/>
           </a:p>
@@ -4549,7 +4549,7 @@
           <a:p>
             <a:fld id="{D71F6AB6-6FBF-4B63-A5C3-90DEBBF6936C}" type="datetimeFigureOut">
               <a:rPr lang="en-US" smtClean="0"/>
-              <a:t>10/4/2025</a:t>
+              <a:t>10/10/2025</a:t>
             </a:fld>
             <a:endParaRPr lang="en-US"/>
           </a:p>
@@ -4757,7 +4757,7 @@
           <a:p>
             <a:fld id="{D71F6AB6-6FBF-4B63-A5C3-90DEBBF6936C}" type="datetimeFigureOut">
               <a:rPr lang="en-US" smtClean="0"/>
-              <a:t>10/4/2025</a:t>
+              <a:t>10/10/2025</a:t>
             </a:fld>
             <a:endParaRPr lang="en-US"/>
           </a:p>
@@ -4955,7 +4955,7 @@
           <a:p>
             <a:fld id="{D71F6AB6-6FBF-4B63-A5C3-90DEBBF6936C}" type="datetimeFigureOut">
               <a:rPr lang="en-US" smtClean="0"/>
-              <a:t>10/4/2025</a:t>
+              <a:t>10/10/2025</a:t>
             </a:fld>
             <a:endParaRPr lang="en-US"/>
           </a:p>
@@ -5230,7 +5230,7 @@
           <a:p>
             <a:fld id="{D71F6AB6-6FBF-4B63-A5C3-90DEBBF6936C}" type="datetimeFigureOut">
               <a:rPr lang="en-US" smtClean="0"/>
-              <a:t>10/4/2025</a:t>
+              <a:t>10/10/2025</a:t>
             </a:fld>
             <a:endParaRPr lang="en-US"/>
           </a:p>
@@ -5495,7 +5495,7 @@
           <a:p>
             <a:fld id="{D71F6AB6-6FBF-4B63-A5C3-90DEBBF6936C}" type="datetimeFigureOut">
               <a:rPr lang="en-US" smtClean="0"/>
-              <a:t>10/4/2025</a:t>
+              <a:t>10/10/2025</a:t>
             </a:fld>
             <a:endParaRPr lang="en-US"/>
           </a:p>
@@ -5907,7 +5907,7 @@
           <a:p>
             <a:fld id="{D71F6AB6-6FBF-4B63-A5C3-90DEBBF6936C}" type="datetimeFigureOut">
               <a:rPr lang="en-US" smtClean="0"/>
-              <a:t>10/4/2025</a:t>
+              <a:t>10/10/2025</a:t>
             </a:fld>
             <a:endParaRPr lang="en-US"/>
           </a:p>
@@ -6048,7 +6048,7 @@
           <a:p>
             <a:fld id="{D71F6AB6-6FBF-4B63-A5C3-90DEBBF6936C}" type="datetimeFigureOut">
               <a:rPr lang="en-US" smtClean="0"/>
-              <a:t>10/4/2025</a:t>
+              <a:t>10/10/2025</a:t>
             </a:fld>
             <a:endParaRPr lang="en-US"/>
           </a:p>
@@ -6161,7 +6161,7 @@
           <a:p>
             <a:fld id="{D71F6AB6-6FBF-4B63-A5C3-90DEBBF6936C}" type="datetimeFigureOut">
               <a:rPr lang="en-US" smtClean="0"/>
-              <a:t>10/4/2025</a:t>
+              <a:t>10/10/2025</a:t>
             </a:fld>
             <a:endParaRPr lang="en-US"/>
           </a:p>
@@ -6472,7 +6472,7 @@
           <a:p>
             <a:fld id="{D71F6AB6-6FBF-4B63-A5C3-90DEBBF6936C}" type="datetimeFigureOut">
               <a:rPr lang="en-US" smtClean="0"/>
-              <a:t>10/4/2025</a:t>
+              <a:t>10/10/2025</a:t>
             </a:fld>
             <a:endParaRPr lang="en-US"/>
           </a:p>
@@ -6760,7 +6760,7 @@
           <a:p>
             <a:fld id="{D71F6AB6-6FBF-4B63-A5C3-90DEBBF6936C}" type="datetimeFigureOut">
               <a:rPr lang="en-US" smtClean="0"/>
-              <a:t>10/4/2025</a:t>
+              <a:t>10/10/2025</a:t>
             </a:fld>
             <a:endParaRPr lang="en-US"/>
           </a:p>
@@ -7001,7 +7001,7 @@
           <a:p>
             <a:fld id="{D71F6AB6-6FBF-4B63-A5C3-90DEBBF6936C}" type="datetimeFigureOut">
               <a:rPr lang="en-US" smtClean="0"/>
-              <a:t>10/4/2025</a:t>
+              <a:t>10/10/2025</a:t>
             </a:fld>
             <a:endParaRPr lang="en-US"/>
           </a:p>
@@ -14019,233 +14019,490 @@
       </p:grpSpPr>
       <p:sp>
         <p:nvSpPr>
-          <p:cNvPr id="2" name="Title 1">
-            <a:extLst>
-              <a:ext uri="{FF2B5EF4-FFF2-40B4-BE49-F238E27FC236}">
-                <a16:creationId xmlns:a16="http://schemas.microsoft.com/office/drawing/2014/main" id="{616AC9F1-1AC2-FEBA-4860-469C55254D3E}"/>
-              </a:ext>
-            </a:extLst>
-          </p:cNvPr>
-          <p:cNvSpPr>
-            <a:spLocks noGrp="1"/>
+          <p:cNvPr id="4" name="Text Placeholder 2"/>
+          <p:cNvSpPr txBox="1">
+            <a:spLocks/>
           </p:cNvSpPr>
-          <p:nvPr>
-            <p:ph type="ctrTitle"/>
-          </p:nvPr>
+          <p:nvPr/>
         </p:nvSpPr>
         <p:spPr>
           <a:xfrm>
-            <a:off x="1524000" y="591897"/>
-            <a:ext cx="9144000" cy="1008303"/>
+            <a:off x="2731540" y="2774174"/>
+            <a:ext cx="6664255" cy="1218795"/>
           </a:xfrm>
+          <a:prstGeom prst="rect">
+            <a:avLst/>
+          </a:prstGeom>
         </p:spPr>
         <p:txBody>
-          <a:bodyPr/>
+          <a:bodyPr vert="horz" wrap="square" lIns="0" tIns="0" rIns="0" bIns="0" rtlCol="0">
+            <a:spAutoFit/>
+          </a:bodyPr>
           <a:lstStyle/>
           <a:p>
+            <a:pPr marL="384954" marR="0" lvl="0" indent="-384954" algn="ctr" defTabSz="914363" rtl="0" eaLnBrk="1" fontAlgn="auto" latinLnBrk="0" hangingPunct="1">
+              <a:lnSpc>
+                <a:spcPct val="90000"/>
+              </a:lnSpc>
+              <a:spcBef>
+                <a:spcPct val="20000"/>
+              </a:spcBef>
+              <a:spcAft>
+                <a:spcPts val="0"/>
+              </a:spcAft>
+              <a:buClrTx/>
+              <a:buSzPct val="90000"/>
+              <a:buFontTx/>
+              <a:buNone/>
+              <a:tabLst/>
+              <a:defRPr/>
+            </a:pPr>
             <a:r>
-              <a:rPr lang="en-US" dirty="0"/>
-              <a:t>Elements of Solving</a:t>
+              <a:rPr kumimoji="0" lang="en-US" sz="4400" b="1" i="0" u="none" strike="noStrike" kern="0" cap="none" spc="0" normalizeH="0" baseline="0" noProof="0">
+                <a:ln>
+                  <a:noFill/>
+                </a:ln>
+                <a:solidFill>
+                  <a:srgbClr val="FF0000"/>
+                </a:solidFill>
+                <a:effectLst/>
+                <a:uLnTx/>
+                <a:uFillTx/>
+                <a:latin typeface="Calibri"/>
+                <a:ea typeface="Calibri"/>
+                <a:cs typeface="Calibri"/>
+                <a:sym typeface="Symbol"/>
+              </a:rPr>
+              <a:t>Is formula </a:t>
+            </a:r>
+            <a:r>
+              <a:rPr kumimoji="0" lang="en-US" sz="4400" b="1" i="1" u="none" strike="noStrike" kern="0" cap="none" spc="0" normalizeH="0" baseline="0" noProof="0">
+                <a:ln>
+                  <a:noFill/>
+                </a:ln>
+                <a:solidFill>
+                  <a:srgbClr val="FF0000"/>
+                </a:solidFill>
+                <a:effectLst/>
+                <a:uLnTx/>
+                <a:uFillTx/>
+                <a:latin typeface="Calibri"/>
+                <a:ea typeface="Calibri"/>
+                <a:cs typeface="Calibri"/>
+                <a:sym typeface="Symbol"/>
+              </a:rPr>
+              <a:t></a:t>
+            </a:r>
+            <a:r>
+              <a:rPr kumimoji="0" lang="en-US" sz="4400" b="1" i="0" u="none" strike="noStrike" kern="0" cap="none" spc="0" normalizeH="0" baseline="0" noProof="0">
+                <a:ln>
+                  <a:noFill/>
+                </a:ln>
+                <a:solidFill>
+                  <a:srgbClr val="FF0000"/>
+                </a:solidFill>
+                <a:effectLst/>
+                <a:uLnTx/>
+                <a:uFillTx/>
+                <a:latin typeface="Calibri"/>
+                <a:ea typeface="Calibri"/>
+                <a:cs typeface="Calibri"/>
+                <a:sym typeface="Symbol"/>
+              </a:rPr>
+              <a:t>  </a:t>
+            </a:r>
+            <a:r>
+              <a:rPr kumimoji="0" lang="en-US" sz="4400" b="1" i="0" u="none" strike="noStrike" kern="0" cap="none" spc="0" normalizeH="0" baseline="0" noProof="0" err="1">
+                <a:ln>
+                  <a:noFill/>
+                </a:ln>
+                <a:solidFill>
+                  <a:srgbClr val="FF0000"/>
+                </a:solidFill>
+                <a:effectLst/>
+                <a:uLnTx/>
+                <a:uFillTx/>
+                <a:latin typeface="Calibri"/>
+                <a:ea typeface="Calibri"/>
+                <a:cs typeface="Calibri"/>
+                <a:sym typeface="Symbol"/>
+              </a:rPr>
+              <a:t>satisfiable</a:t>
+            </a:r>
+            <a:r>
+              <a:rPr kumimoji="0" lang="en-US" sz="4400" b="1" i="0" u="none" strike="noStrike" kern="0" cap="none" spc="0" normalizeH="0" baseline="0" noProof="0">
+                <a:ln>
+                  <a:noFill/>
+                </a:ln>
+                <a:solidFill>
+                  <a:srgbClr val="FF0000"/>
+                </a:solidFill>
+                <a:effectLst/>
+                <a:uLnTx/>
+                <a:uFillTx/>
+                <a:latin typeface="Calibri"/>
+                <a:ea typeface="Calibri"/>
+                <a:cs typeface="Calibri"/>
+                <a:sym typeface="Symbol"/>
+              </a:rPr>
+              <a:t> modulo theory </a:t>
+            </a:r>
+            <a:r>
+              <a:rPr kumimoji="0" lang="en-US" sz="4400" b="1" i="1" u="none" strike="noStrike" kern="0" cap="none" spc="0" normalizeH="0" baseline="0" noProof="0">
+                <a:ln>
+                  <a:noFill/>
+                </a:ln>
+                <a:solidFill>
+                  <a:srgbClr val="FF0000"/>
+                </a:solidFill>
+                <a:effectLst/>
+                <a:uLnTx/>
+                <a:uFillTx/>
+                <a:latin typeface="Calibri"/>
+                <a:ea typeface="Calibri"/>
+                <a:cs typeface="Calibri"/>
+                <a:sym typeface="Symbol"/>
+              </a:rPr>
+              <a:t>T </a:t>
+            </a:r>
+            <a:r>
+              <a:rPr kumimoji="0" lang="en-US" sz="4400" b="1" i="0" u="none" strike="noStrike" kern="0" cap="none" spc="0" normalizeH="0" baseline="0" noProof="0">
+                <a:ln>
+                  <a:noFill/>
+                </a:ln>
+                <a:solidFill>
+                  <a:srgbClr val="FF0000"/>
+                </a:solidFill>
+                <a:effectLst/>
+                <a:uLnTx/>
+                <a:uFillTx/>
+                <a:latin typeface="Calibri"/>
+                <a:ea typeface="Calibri"/>
+                <a:cs typeface="Calibri"/>
+                <a:sym typeface="Symbol"/>
+              </a:rPr>
+              <a:t>? </a:t>
             </a:r>
           </a:p>
         </p:txBody>
       </p:sp>
       <p:sp>
         <p:nvSpPr>
-          <p:cNvPr id="6" name="Rectangle: Rounded Corners 5">
-            <a:extLst>
-              <a:ext uri="{FF2B5EF4-FFF2-40B4-BE49-F238E27FC236}">
-                <a16:creationId xmlns:a16="http://schemas.microsoft.com/office/drawing/2014/main" id="{24C98352-E097-F953-7443-A24C43EB29AB}"/>
-              </a:ext>
-            </a:extLst>
-          </p:cNvPr>
+          <p:cNvPr id="5" name="Rectangular Callout 4"/>
           <p:cNvSpPr/>
+          <p:nvPr/>
+        </p:nvSpPr>
+        <p:spPr bwMode="auto">
+          <a:xfrm>
+            <a:off x="5362470" y="4401177"/>
+            <a:ext cx="4863402" cy="1587640"/>
+          </a:xfrm>
+          <a:prstGeom prst="wedgeRectCallout">
+            <a:avLst>
+              <a:gd name="adj1" fmla="val -9250"/>
+              <a:gd name="adj2" fmla="val -74842"/>
+            </a:avLst>
+          </a:prstGeom>
+          <a:gradFill rotWithShape="1">
+            <a:gsLst>
+              <a:gs pos="0">
+                <a:srgbClr val="5782B5">
+                  <a:tint val="62000"/>
+                  <a:satMod val="180000"/>
+                </a:srgbClr>
+              </a:gs>
+              <a:gs pos="65000">
+                <a:srgbClr val="5782B5">
+                  <a:tint val="32000"/>
+                  <a:satMod val="250000"/>
+                </a:srgbClr>
+              </a:gs>
+              <a:gs pos="100000">
+                <a:srgbClr val="5782B5">
+                  <a:tint val="23000"/>
+                  <a:satMod val="300000"/>
+                </a:srgbClr>
+              </a:gs>
+            </a:gsLst>
+            <a:lin ang="16200000" scaled="0"/>
+          </a:gradFill>
+          <a:ln w="9525" cap="flat" cmpd="sng" algn="ctr">
+            <a:solidFill>
+              <a:srgbClr val="5782B5"/>
+            </a:solidFill>
+            <a:prstDash val="solid"/>
+            <a:headEnd type="none" w="med" len="med"/>
+            <a:tailEnd type="none" w="med" len="med"/>
+          </a:ln>
+          <a:effectLst>
+            <a:outerShdw blurRad="50800" dist="38100" dir="5400000" rotWithShape="0">
+              <a:srgbClr val="000000">
+                <a:alpha val="35000"/>
+              </a:srgbClr>
+            </a:outerShdw>
+          </a:effectLst>
+        </p:spPr>
+        <p:txBody>
+          <a:bodyPr vert="horz" wrap="square" lIns="109728" tIns="54864" rIns="109728" bIns="54864" numCol="1" rtlCol="0" anchor="ctr" anchorCtr="0" compatLnSpc="1">
+            <a:prstTxWarp prst="textNoShape">
+              <a:avLst/>
+            </a:prstTxWarp>
+          </a:bodyPr>
+          <a:lstStyle/>
+          <a:p>
+            <a:pPr marL="0" marR="0" lvl="0" indent="0" algn="ctr" defTabSz="1096963" rtl="0" eaLnBrk="1" fontAlgn="base" latinLnBrk="0" hangingPunct="1">
+              <a:lnSpc>
+                <a:spcPct val="100000"/>
+              </a:lnSpc>
+              <a:spcBef>
+                <a:spcPct val="0"/>
+              </a:spcBef>
+              <a:spcAft>
+                <a:spcPct val="0"/>
+              </a:spcAft>
+              <a:buClrTx/>
+              <a:buSzTx/>
+              <a:buFontTx/>
+              <a:buNone/>
+              <a:tabLst/>
+              <a:defRPr/>
+            </a:pPr>
+            <a:r>
+              <a:rPr kumimoji="0" lang="en-US" sz="2800" b="0" i="0" u="none" strike="noStrike" kern="0" cap="none" spc="0" normalizeH="0" baseline="0" noProof="0">
+                <a:ln>
+                  <a:noFill/>
+                </a:ln>
+                <a:solidFill>
+                  <a:srgbClr val="000000"/>
+                </a:solidFill>
+                <a:effectLst/>
+                <a:uLnTx/>
+                <a:uFillTx/>
+                <a:latin typeface="Segoe"/>
+                <a:ea typeface="Calibri"/>
+                <a:cs typeface="Calibri"/>
+                <a:sym typeface="Calibri"/>
+              </a:rPr>
+              <a:t>SMT solvers have specialized algorithms for </a:t>
+            </a:r>
+            <a:r>
+              <a:rPr kumimoji="0" lang="en-US" sz="2800" b="0" i="1" u="none" strike="noStrike" kern="0" cap="none" spc="0" normalizeH="0" baseline="0" noProof="0">
+                <a:ln>
+                  <a:noFill/>
+                </a:ln>
+                <a:solidFill>
+                  <a:srgbClr val="000000"/>
+                </a:solidFill>
+                <a:effectLst/>
+                <a:uLnTx/>
+                <a:uFillTx/>
+                <a:latin typeface="Segoe"/>
+                <a:ea typeface="Calibri"/>
+                <a:cs typeface="Calibri"/>
+                <a:sym typeface="Calibri"/>
+              </a:rPr>
+              <a:t>T</a:t>
+            </a:r>
+          </a:p>
+        </p:txBody>
+      </p:sp>
+      <p:sp>
+        <p:nvSpPr>
+          <p:cNvPr id="6" name="Title 1"/>
+          <p:cNvSpPr txBox="1">
+            <a:spLocks/>
+          </p:cNvSpPr>
           <p:nvPr/>
         </p:nvSpPr>
         <p:spPr>
           <a:xfrm>
-            <a:off x="2682815" y="2389517"/>
-            <a:ext cx="3027872" cy="1595887"/>
+            <a:off x="1905000" y="230188"/>
+            <a:ext cx="9037320" cy="1758632"/>
           </a:xfrm>
-          <a:prstGeom prst="roundRect">
+          <a:prstGeom prst="rect">
             <a:avLst/>
           </a:prstGeom>
         </p:spPr>
-        <p:style>
-          <a:lnRef idx="2">
-            <a:schemeClr val="dk1"/>
-          </a:lnRef>
-          <a:fillRef idx="1">
-            <a:schemeClr val="lt1"/>
-          </a:fillRef>
-          <a:effectRef idx="0">
-            <a:schemeClr val="dk1"/>
-          </a:effectRef>
-          <a:fontRef idx="minor">
-            <a:schemeClr val="dk1"/>
-          </a:fontRef>
-        </p:style>
         <p:txBody>
-          <a:bodyPr rtlCol="0" anchor="ctr"/>
-          <a:lstStyle/>
-          <a:p>
-            <a:pPr algn="ctr"/>
+          <a:bodyPr>
+            <a:normAutofit fontScale="97500"/>
+          </a:bodyPr>
+          <a:lstStyle>
+            <a:lvl1pPr algn="ctr" defTabSz="914400" rtl="0" eaLnBrk="1" latinLnBrk="0" hangingPunct="1">
+              <a:spcBef>
+                <a:spcPct val="0"/>
+              </a:spcBef>
+              <a:buNone/>
+              <a:defRPr sz="4400" kern="1200">
+                <a:solidFill>
+                  <a:schemeClr val="tx1"/>
+                </a:solidFill>
+                <a:latin typeface="+mj-lt"/>
+                <a:ea typeface="+mj-ea"/>
+                <a:cs typeface="+mj-cs"/>
+              </a:defRPr>
+            </a:lvl1pPr>
+          </a:lstStyle>
+          <a:p>
+            <a:pPr marL="0" marR="0" lvl="0" indent="0" algn="ctr" defTabSz="914400" rtl="0" eaLnBrk="1" fontAlgn="auto" latinLnBrk="0" hangingPunct="1">
+              <a:lnSpc>
+                <a:spcPct val="100000"/>
+              </a:lnSpc>
+              <a:spcBef>
+                <a:spcPct val="0"/>
+              </a:spcBef>
+              <a:spcAft>
+                <a:spcPts val="0"/>
+              </a:spcAft>
+              <a:buClrTx/>
+              <a:buSzTx/>
+              <a:buFontTx/>
+              <a:buNone/>
+              <a:tabLst/>
+              <a:defRPr/>
+            </a:pPr>
             <a:r>
-              <a:rPr lang="en-US" sz="2400" dirty="0"/>
-              <a:t>Satisfiability Preserving </a:t>
+              <a:rPr kumimoji="0" lang="en-US" sz="4800" b="0" i="0" u="none" strike="noStrike" kern="1200" cap="none" spc="0" normalizeH="0" baseline="0" noProof="0">
+                <a:ln>
+                  <a:noFill/>
+                </a:ln>
+                <a:solidFill>
+                  <a:srgbClr val="000000"/>
+                </a:solidFill>
+                <a:effectLst/>
+                <a:uLnTx/>
+                <a:uFillTx/>
+                <a:latin typeface="Calibri"/>
+                <a:ea typeface="Calibri"/>
+                <a:cs typeface="Calibri"/>
+                <a:sym typeface="Calibri"/>
+              </a:rPr>
+              <a:t>Satisfiability Modulo Theories (SMT)</a:t>
             </a:r>
-            <a:br>
-              <a:rPr lang="en-US" sz="2400" dirty="0"/>
-            </a:br>
-            <a:r>
-              <a:rPr lang="en-US" sz="2400" dirty="0"/>
-              <a:t>Pre/in-processing</a:t>
-            </a:r>
+            <a:endParaRPr kumimoji="0" lang="en-US" sz="4800" b="0" i="0" u="none" strike="noStrike" kern="1200" cap="none" spc="-167" normalizeH="0" baseline="0" noProof="0">
+              <a:ln>
+                <a:noFill/>
+              </a:ln>
+              <a:solidFill>
+                <a:srgbClr val="4472C4"/>
+              </a:solidFill>
+              <a:effectLst>
+                <a:outerShdw blurRad="50800" dist="38100" dir="2700000" algn="tl" rotWithShape="0">
+                  <a:prstClr val="black">
+                    <a:alpha val="61000"/>
+                  </a:prstClr>
+                </a:outerShdw>
+              </a:effectLst>
+              <a:uLnTx/>
+              <a:uFillTx/>
+              <a:latin typeface="Calibri"/>
+              <a:ea typeface="Calibri"/>
+              <a:cs typeface="Calibri"/>
+              <a:sym typeface="Calibri"/>
+            </a:endParaRPr>
           </a:p>
         </p:txBody>
       </p:sp>
-      <p:sp>
-        <p:nvSpPr>
-          <p:cNvPr id="8" name="Rectangle: Rounded Corners 7">
-            <a:extLst>
-              <a:ext uri="{FF2B5EF4-FFF2-40B4-BE49-F238E27FC236}">
-                <a16:creationId xmlns:a16="http://schemas.microsoft.com/office/drawing/2014/main" id="{097DB5E0-42E9-E2AB-0512-099D976E6EF2}"/>
-              </a:ext>
-            </a:extLst>
-          </p:cNvPr>
-          <p:cNvSpPr/>
-          <p:nvPr/>
-        </p:nvSpPr>
-        <p:spPr>
-          <a:xfrm>
-            <a:off x="6294407" y="4477109"/>
-            <a:ext cx="3027872" cy="1595887"/>
-          </a:xfrm>
-          <a:prstGeom prst="roundRect">
-            <a:avLst/>
-          </a:prstGeom>
-        </p:spPr>
-        <p:style>
-          <a:lnRef idx="2">
-            <a:schemeClr val="dk1"/>
-          </a:lnRef>
-          <a:fillRef idx="1">
-            <a:schemeClr val="lt1"/>
-          </a:fillRef>
-          <a:effectRef idx="0">
-            <a:schemeClr val="dk1"/>
-          </a:effectRef>
-          <a:fontRef idx="minor">
-            <a:schemeClr val="dk1"/>
-          </a:fontRef>
-        </p:style>
-        <p:txBody>
-          <a:bodyPr rtlCol="0" anchor="ctr"/>
-          <a:lstStyle/>
-          <a:p>
-            <a:pPr algn="ctr"/>
-            <a:r>
-              <a:rPr lang="en-US" sz="3600" dirty="0"/>
-              <a:t>Search</a:t>
-            </a:r>
-          </a:p>
-        </p:txBody>
-      </p:sp>
-      <p:cxnSp>
-        <p:nvCxnSpPr>
-          <p:cNvPr id="10" name="Connector: Elbow 9">
-            <a:extLst>
-              <a:ext uri="{FF2B5EF4-FFF2-40B4-BE49-F238E27FC236}">
-                <a16:creationId xmlns:a16="http://schemas.microsoft.com/office/drawing/2014/main" id="{6D3D1DE5-B985-7E83-0BEB-ED7C2733A935}"/>
-              </a:ext>
-            </a:extLst>
-          </p:cNvPr>
-          <p:cNvCxnSpPr>
-            <a:stCxn id="6" idx="3"/>
-            <a:endCxn id="8" idx="0"/>
-          </p:cNvCxnSpPr>
-          <p:nvPr/>
-        </p:nvCxnSpPr>
-        <p:spPr>
-          <a:xfrm>
-            <a:off x="5710687" y="3187461"/>
-            <a:ext cx="2097656" cy="1280160"/>
-          </a:xfrm>
-          <a:prstGeom prst="bentConnector2">
-            <a:avLst/>
-          </a:prstGeom>
-          <a:ln w="25400">
-            <a:tailEnd type="triangle" w="lg" len="lg"/>
-          </a:ln>
-        </p:spPr>
-        <p:style>
-          <a:lnRef idx="1">
-            <a:schemeClr val="dk1"/>
-          </a:lnRef>
-          <a:fillRef idx="0">
-            <a:schemeClr val="dk1"/>
-          </a:fillRef>
-          <a:effectRef idx="0">
-            <a:schemeClr val="dk1"/>
-          </a:effectRef>
-          <a:fontRef idx="minor">
-            <a:schemeClr val="tx1"/>
-          </a:fontRef>
-        </p:style>
-      </p:cxnSp>
-      <p:cxnSp>
-        <p:nvCxnSpPr>
-          <p:cNvPr id="11" name="Connector: Elbow 10">
-            <a:extLst>
-              <a:ext uri="{FF2B5EF4-FFF2-40B4-BE49-F238E27FC236}">
-                <a16:creationId xmlns:a16="http://schemas.microsoft.com/office/drawing/2014/main" id="{C9985C7D-6D4C-D5E8-6E5E-B16FF34EC8F5}"/>
-              </a:ext>
-            </a:extLst>
-          </p:cNvPr>
-          <p:cNvCxnSpPr>
-            <a:cxnSpLocks/>
-            <a:stCxn id="8" idx="1"/>
-            <a:endCxn id="6" idx="2"/>
-          </p:cNvCxnSpPr>
-          <p:nvPr/>
-        </p:nvCxnSpPr>
-        <p:spPr>
-          <a:xfrm rot="10800000">
-            <a:off x="4196751" y="3985405"/>
-            <a:ext cx="2097656" cy="1289649"/>
-          </a:xfrm>
-          <a:prstGeom prst="bentConnector2">
-            <a:avLst/>
-          </a:prstGeom>
-          <a:ln w="25400">
-            <a:tailEnd type="triangle" w="lg" len="lg"/>
-          </a:ln>
-        </p:spPr>
-        <p:style>
-          <a:lnRef idx="1">
-            <a:schemeClr val="dk1"/>
-          </a:lnRef>
-          <a:fillRef idx="0">
-            <a:schemeClr val="dk1"/>
-          </a:fillRef>
-          <a:effectRef idx="0">
-            <a:schemeClr val="dk1"/>
-          </a:effectRef>
-          <a:fontRef idx="minor">
-            <a:schemeClr val="tx1"/>
-          </a:fontRef>
-        </p:style>
-      </p:cxnSp>
     </p:spTree>
     <p:extLst>
       <p:ext uri="{BB962C8B-B14F-4D97-AF65-F5344CB8AC3E}">
-        <p14:creationId xmlns:p14="http://schemas.microsoft.com/office/powerpoint/2010/main" val="3768625772"/>
+        <p14:creationId xmlns:p14="http://schemas.microsoft.com/office/powerpoint/2010/main" val="4157459101"/>
       </p:ext>
     </p:extLst>
   </p:cSld>
   <p:clrMapOvr>
     <a:masterClrMapping/>
   </p:clrMapOvr>
+  <mc:AlternateContent xmlns:mc="http://schemas.openxmlformats.org/markup-compatibility/2006" xmlns:p14="http://schemas.microsoft.com/office/powerpoint/2010/main">
+    <mc:Choice Requires="p14">
+      <p:transition spd="med" p14:dur="700">
+        <p:fade/>
+      </p:transition>
+    </mc:Choice>
+    <mc:Fallback xmlns="">
+      <p:transition spd="med">
+        <p:fade/>
+      </p:transition>
+    </mc:Fallback>
+  </mc:AlternateContent>
+  <p:timing>
+    <p:tnLst>
+      <p:par>
+        <p:cTn id="1" dur="indefinite" restart="never" nodeType="tmRoot">
+          <p:childTnLst>
+            <p:seq concurrent="1" nextAc="seek">
+              <p:cTn id="2" dur="indefinite" nodeType="mainSeq">
+                <p:childTnLst>
+                  <p:par>
+                    <p:cTn id="3" fill="hold">
+                      <p:stCondLst>
+                        <p:cond delay="indefinite"/>
+                      </p:stCondLst>
+                      <p:childTnLst>
+                        <p:par>
+                          <p:cTn id="4" fill="hold">
+                            <p:stCondLst>
+                              <p:cond delay="0"/>
+                            </p:stCondLst>
+                            <p:childTnLst>
+                              <p:par>
+                                <p:cTn id="5" presetID="1" presetClass="entr" presetSubtype="0" fill="hold" grpId="0" nodeType="clickEffect">
+                                  <p:stCondLst>
+                                    <p:cond delay="0"/>
+                                  </p:stCondLst>
+                                  <p:childTnLst>
+                                    <p:set>
+                                      <p:cBhvr>
+                                        <p:cTn id="6" dur="1" fill="hold">
+                                          <p:stCondLst>
+                                            <p:cond delay="0"/>
+                                          </p:stCondLst>
+                                        </p:cTn>
+                                        <p:tgtEl>
+                                          <p:spTgt spid="5"/>
+                                        </p:tgtEl>
+                                        <p:attrNameLst>
+                                          <p:attrName>style.visibility</p:attrName>
+                                        </p:attrNameLst>
+                                      </p:cBhvr>
+                                      <p:to>
+                                        <p:strVal val="visible"/>
+                                      </p:to>
+                                    </p:set>
+                                  </p:childTnLst>
+                                </p:cTn>
+                              </p:par>
+                            </p:childTnLst>
+                          </p:cTn>
+                        </p:par>
+                      </p:childTnLst>
+                    </p:cTn>
+                  </p:par>
+                </p:childTnLst>
+              </p:cTn>
+              <p:prevCondLst>
+                <p:cond evt="onPrev" delay="0">
+                  <p:tgtEl>
+                    <p:sldTgt/>
+                  </p:tgtEl>
+                </p:cond>
+              </p:prevCondLst>
+              <p:nextCondLst>
+                <p:cond evt="onNext" delay="0">
+                  <p:tgtEl>
+                    <p:sldTgt/>
+                  </p:tgtEl>
+                </p:cond>
+              </p:nextCondLst>
+            </p:seq>
+          </p:childTnLst>
+        </p:cTn>
+      </p:par>
+    </p:tnLst>
+    <p:bldLst>
+      <p:bldP spid="5" grpId="0" animBg="1"/>
+    </p:bldLst>
+  </p:timing>
 </p:sld>
 </file>
 
@@ -21202,13 +21459,7 @@
   <p:cSld>
     <p:spTree>
       <p:nvGrpSpPr>
-        <p:cNvPr id="1" name="">
-          <a:extLst>
-            <a:ext uri="{FF2B5EF4-FFF2-40B4-BE49-F238E27FC236}">
-              <a16:creationId xmlns:a16="http://schemas.microsoft.com/office/drawing/2014/main" id="{AB4F6FFB-7650-4B80-A7EC-A57101AA964A}"/>
-            </a:ext>
-          </a:extLst>
-        </p:cNvPr>
+        <p:cNvPr id="1" name=""/>
         <p:cNvGrpSpPr/>
         <p:nvPr/>
       </p:nvGrpSpPr>
@@ -21220,20 +21471,36 @@
           <a:chExt cx="0" cy="0"/>
         </a:xfrm>
       </p:grpSpPr>
+      <p:graphicFrame>
+        <p:nvGraphicFramePr>
+          <p:cNvPr id="5" name="Diagram 4"/>
+          <p:cNvGraphicFramePr/>
+          <p:nvPr>
+            <p:extLst>
+              <p:ext uri="{D42A27DB-BD31-4B8C-83A1-F6EECF244321}">
+                <p14:modId xmlns:p14="http://schemas.microsoft.com/office/powerpoint/2010/main" val="569079361"/>
+              </p:ext>
+            </p:extLst>
+          </p:nvPr>
+        </p:nvGraphicFramePr>
+        <p:xfrm>
+          <a:off x="1788160" y="-132080"/>
+          <a:ext cx="8636000" cy="6156960"/>
+        </p:xfrm>
+        <a:graphic>
+          <a:graphicData uri="http://schemas.openxmlformats.org/drawingml/2006/diagram">
+            <dgm:relIds xmlns:dgm="http://schemas.openxmlformats.org/drawingml/2006/diagram" xmlns:r="http://schemas.openxmlformats.org/officeDocument/2006/relationships" r:dm="rId3" r:lo="rId4" r:qs="rId5" r:cs="rId6"/>
+          </a:graphicData>
+        </a:graphic>
+      </p:graphicFrame>
       <p:sp>
         <p:nvSpPr>
-          <p:cNvPr id="2" name="Title 1">
-            <a:extLst>
-              <a:ext uri="{FF2B5EF4-FFF2-40B4-BE49-F238E27FC236}">
-                <a16:creationId xmlns:a16="http://schemas.microsoft.com/office/drawing/2014/main" id="{0C503847-C139-1C39-EEBE-DB97BED57175}"/>
-              </a:ext>
-            </a:extLst>
-          </p:cNvPr>
+          <p:cNvPr id="2" name="Title 1"/>
           <p:cNvSpPr>
             <a:spLocks noGrp="1"/>
           </p:cNvSpPr>
           <p:nvPr>
-            <p:ph type="ctrTitle"/>
+            <p:ph type="title"/>
           </p:nvPr>
         </p:nvSpPr>
         <p:spPr/>
@@ -21242,36 +21509,301 @@
           <a:lstStyle/>
           <a:p>
             <a:r>
-              <a:rPr lang="en-US" dirty="0"/>
-              <a:t>Solver Engines</a:t>
+              <a:rPr lang="en-US" sz="4800" dirty="0">
+                <a:latin typeface="Calibri" pitchFamily="34" charset="0"/>
+                <a:sym typeface="Symbol"/>
+              </a:rPr>
+              <a:t>CDCL(T)</a:t>
             </a:r>
+            <a:endParaRPr sz="4800" spc="-167" dirty="0">
+              <a:solidFill>
+                <a:schemeClr val="accent1"/>
+              </a:solidFill>
+              <a:effectLst>
+                <a:outerShdw blurRad="50800" dist="38100" dir="2700000" algn="tl" rotWithShape="0">
+                  <a:prstClr val="black">
+                    <a:alpha val="61000"/>
+                  </a:prstClr>
+                </a:outerShdw>
+              </a:effectLst>
+              <a:latin typeface="Calibri" pitchFamily="34" charset="0"/>
+            </a:endParaRPr>
           </a:p>
         </p:txBody>
       </p:sp>
       <p:sp>
         <p:nvSpPr>
-          <p:cNvPr id="3" name="Subtitle 2">
-            <a:extLst>
-              <a:ext uri="{FF2B5EF4-FFF2-40B4-BE49-F238E27FC236}">
-                <a16:creationId xmlns:a16="http://schemas.microsoft.com/office/drawing/2014/main" id="{E8C97EBB-C626-86A3-5695-063535C84123}"/>
-              </a:ext>
-            </a:extLst>
-          </p:cNvPr>
-          <p:cNvSpPr>
-            <a:spLocks noGrp="1"/>
+          <p:cNvPr id="10" name="Text Placeholder 2"/>
+          <p:cNvSpPr txBox="1">
+            <a:spLocks/>
           </p:cNvSpPr>
-          <p:nvPr>
-            <p:ph type="subTitle" idx="1"/>
-          </p:nvPr>
+          <p:nvPr/>
         </p:nvSpPr>
-        <p:spPr/>
+        <p:spPr>
+          <a:xfrm>
+            <a:off x="4931397" y="4088702"/>
+            <a:ext cx="2986088" cy="2003625"/>
+          </a:xfrm>
+          <a:prstGeom prst="rect">
+            <a:avLst/>
+          </a:prstGeom>
+        </p:spPr>
         <p:txBody>
-          <a:bodyPr/>
+          <a:bodyPr vert="horz" wrap="square" lIns="0" tIns="0" rIns="0" bIns="0" rtlCol="0">
+            <a:spAutoFit/>
+          </a:bodyPr>
           <a:lstStyle/>
           <a:p>
+            <a:pPr marL="384954" marR="0" lvl="0" indent="-384954" algn="l" defTabSz="914363" rtl="0" eaLnBrk="1" fontAlgn="auto" latinLnBrk="0" hangingPunct="1">
+              <a:lnSpc>
+                <a:spcPct val="90000"/>
+              </a:lnSpc>
+              <a:spcBef>
+                <a:spcPct val="20000"/>
+              </a:spcBef>
+              <a:spcAft>
+                <a:spcPts val="0"/>
+              </a:spcAft>
+              <a:buClrTx/>
+              <a:buSzPct val="90000"/>
+              <a:buFontTx/>
+              <a:buBlip>
+                <a:blip r:embed="rId8"/>
+              </a:buBlip>
+              <a:tabLst/>
+              <a:defRPr/>
+            </a:pPr>
             <a:r>
-              <a:rPr lang="en-US" dirty="0"/>
-              <a:t>CDCL(T)	SPACER	NLSAT		QSAT</a:t>
+              <a:rPr kumimoji="0" lang="en-US" sz="3100" b="0" i="0" u="none" strike="noStrike" kern="1200" cap="none" spc="0" normalizeH="0" baseline="0" noProof="0">
+                <a:ln>
+                  <a:noFill/>
+                </a:ln>
+                <a:solidFill>
+                  <a:prstClr val="black"/>
+                </a:solidFill>
+                <a:effectLst/>
+                <a:uLnTx/>
+                <a:uFillTx/>
+                <a:latin typeface="Calibri"/>
+                <a:ea typeface="+mn-ea"/>
+                <a:cs typeface="+mn-cs"/>
+                <a:sym typeface="Symbol"/>
+              </a:rPr>
+              <a:t>Equality + UF</a:t>
+            </a:r>
+          </a:p>
+          <a:p>
+            <a:pPr marL="384954" marR="0" lvl="0" indent="-384954" algn="l" defTabSz="914363" rtl="0" eaLnBrk="1" fontAlgn="auto" latinLnBrk="0" hangingPunct="1">
+              <a:lnSpc>
+                <a:spcPct val="90000"/>
+              </a:lnSpc>
+              <a:spcBef>
+                <a:spcPct val="20000"/>
+              </a:spcBef>
+              <a:spcAft>
+                <a:spcPts val="0"/>
+              </a:spcAft>
+              <a:buClrTx/>
+              <a:buSzPct val="90000"/>
+              <a:buFontTx/>
+              <a:buBlip>
+                <a:blip r:embed="rId8"/>
+              </a:buBlip>
+              <a:tabLst/>
+              <a:defRPr/>
+            </a:pPr>
+            <a:r>
+              <a:rPr kumimoji="0" lang="en-US" sz="3100" b="0" i="0" u="none" strike="noStrike" kern="1200" cap="none" spc="0" normalizeH="0" baseline="0" noProof="0">
+                <a:ln>
+                  <a:noFill/>
+                </a:ln>
+                <a:solidFill>
+                  <a:prstClr val="black"/>
+                </a:solidFill>
+                <a:effectLst/>
+                <a:uLnTx/>
+                <a:uFillTx/>
+                <a:latin typeface="Calibri"/>
+                <a:ea typeface="+mn-ea"/>
+                <a:cs typeface="+mn-cs"/>
+                <a:sym typeface="Symbol"/>
+              </a:rPr>
+              <a:t>Arithmetic</a:t>
+            </a:r>
+          </a:p>
+          <a:p>
+            <a:pPr marL="384954" marR="0" lvl="0" indent="-384954" algn="l" defTabSz="914363" rtl="0" eaLnBrk="1" fontAlgn="auto" latinLnBrk="0" hangingPunct="1">
+              <a:lnSpc>
+                <a:spcPct val="90000"/>
+              </a:lnSpc>
+              <a:spcBef>
+                <a:spcPct val="20000"/>
+              </a:spcBef>
+              <a:spcAft>
+                <a:spcPts val="0"/>
+              </a:spcAft>
+              <a:buClrTx/>
+              <a:buSzPct val="90000"/>
+              <a:buFontTx/>
+              <a:buBlip>
+                <a:blip r:embed="rId8"/>
+              </a:buBlip>
+              <a:tabLst/>
+              <a:defRPr/>
+            </a:pPr>
+            <a:r>
+              <a:rPr kumimoji="0" lang="en-US" sz="3100" b="0" i="0" u="none" strike="noStrike" kern="1200" cap="none" spc="0" normalizeH="0" baseline="0" noProof="0">
+                <a:ln>
+                  <a:noFill/>
+                </a:ln>
+                <a:solidFill>
+                  <a:prstClr val="black"/>
+                </a:solidFill>
+                <a:effectLst/>
+                <a:uLnTx/>
+                <a:uFillTx/>
+                <a:latin typeface="Calibri"/>
+                <a:ea typeface="+mn-ea"/>
+                <a:cs typeface="+mn-cs"/>
+                <a:sym typeface="Symbol"/>
+              </a:rPr>
+              <a:t>Bit-vectors</a:t>
+            </a:r>
+          </a:p>
+          <a:p>
+            <a:pPr marL="384954" marR="0" lvl="0" indent="-384954" algn="l" defTabSz="914363" rtl="0" eaLnBrk="1" fontAlgn="auto" latinLnBrk="0" hangingPunct="1">
+              <a:lnSpc>
+                <a:spcPct val="90000"/>
+              </a:lnSpc>
+              <a:spcBef>
+                <a:spcPct val="20000"/>
+              </a:spcBef>
+              <a:spcAft>
+                <a:spcPts val="0"/>
+              </a:spcAft>
+              <a:buClrTx/>
+              <a:buSzPct val="90000"/>
+              <a:buFontTx/>
+              <a:buBlip>
+                <a:blip r:embed="rId8"/>
+              </a:buBlip>
+              <a:tabLst/>
+              <a:defRPr/>
+            </a:pPr>
+            <a:r>
+              <a:rPr kumimoji="0" lang="en-US" sz="3100" b="0" i="0" u="none" strike="noStrike" kern="1200" cap="none" spc="0" normalizeH="0" baseline="0" noProof="0">
+                <a:ln>
+                  <a:noFill/>
+                </a:ln>
+                <a:solidFill>
+                  <a:prstClr val="black"/>
+                </a:solidFill>
+                <a:effectLst/>
+                <a:uLnTx/>
+                <a:uFillTx/>
+                <a:latin typeface="Calibri"/>
+                <a:ea typeface="+mn-ea"/>
+                <a:cs typeface="+mn-cs"/>
+                <a:sym typeface="Symbol"/>
+              </a:rPr>
+              <a:t>…</a:t>
+            </a:r>
+            <a:endParaRPr kumimoji="0" lang="en-US" sz="3300" b="0" i="0" u="none" strike="noStrike" kern="1200" cap="none" spc="0" normalizeH="0" baseline="0" noProof="0">
+              <a:ln>
+                <a:noFill/>
+              </a:ln>
+              <a:solidFill>
+                <a:prstClr val="black"/>
+              </a:solidFill>
+              <a:effectLst/>
+              <a:uLnTx/>
+              <a:uFillTx/>
+              <a:latin typeface="Calibri"/>
+              <a:ea typeface="+mn-ea"/>
+              <a:cs typeface="+mn-cs"/>
+              <a:sym typeface="Calibri"/>
+            </a:endParaRPr>
+          </a:p>
+        </p:txBody>
+      </p:sp>
+      <p:sp>
+        <p:nvSpPr>
+          <p:cNvPr id="6" name="Rectangular Callout 5"/>
+          <p:cNvSpPr/>
+          <p:nvPr/>
+        </p:nvSpPr>
+        <p:spPr bwMode="auto">
+          <a:xfrm>
+            <a:off x="1826342" y="4655576"/>
+            <a:ext cx="2138517" cy="875070"/>
+          </a:xfrm>
+          <a:prstGeom prst="wedgeRectCallout">
+            <a:avLst>
+              <a:gd name="adj1" fmla="val -12891"/>
+              <a:gd name="adj2" fmla="val -125506"/>
+            </a:avLst>
+          </a:prstGeom>
+          <a:ln>
+            <a:headEnd type="none" w="med" len="med"/>
+            <a:tailEnd type="none" w="med" len="med"/>
+          </a:ln>
+        </p:spPr>
+        <p:style>
+          <a:lnRef idx="1">
+            <a:schemeClr val="accent3"/>
+          </a:lnRef>
+          <a:fillRef idx="2">
+            <a:schemeClr val="accent3"/>
+          </a:fillRef>
+          <a:effectRef idx="1">
+            <a:schemeClr val="accent3"/>
+          </a:effectRef>
+          <a:fontRef idx="minor">
+            <a:schemeClr val="dk1"/>
+          </a:fontRef>
+        </p:style>
+        <p:txBody>
+          <a:bodyPr vert="horz" wrap="square" lIns="109728" tIns="54864" rIns="109728" bIns="54864" numCol="1" rtlCol="0" anchor="ctr" anchorCtr="0" compatLnSpc="1">
+            <a:prstTxWarp prst="textNoShape">
+              <a:avLst/>
+            </a:prstTxWarp>
+          </a:bodyPr>
+          <a:lstStyle/>
+          <a:p>
+            <a:pPr marL="0" marR="0" lvl="0" indent="0" algn="l" defTabSz="1096963" rtl="0" eaLnBrk="1" fontAlgn="base" latinLnBrk="0" hangingPunct="1">
+              <a:lnSpc>
+                <a:spcPct val="100000"/>
+              </a:lnSpc>
+              <a:spcBef>
+                <a:spcPct val="0"/>
+              </a:spcBef>
+              <a:spcAft>
+                <a:spcPct val="0"/>
+              </a:spcAft>
+              <a:buClrTx/>
+              <a:buSzTx/>
+              <a:buFontTx/>
+              <a:buNone/>
+              <a:tabLst/>
+              <a:defRPr/>
+            </a:pPr>
+            <a:r>
+              <a:rPr kumimoji="0" lang="en-US" sz="2400" b="0" i="0" u="none" strike="noStrike" kern="1200" cap="none" spc="0" normalizeH="0" baseline="0" noProof="0">
+                <a:ln>
+                  <a:noFill/>
+                </a:ln>
+                <a:solidFill>
+                  <a:prstClr val="black"/>
+                </a:solidFill>
+                <a:effectLst/>
+                <a:uLnTx/>
+                <a:uFillTx/>
+                <a:latin typeface="Calibri"/>
+                <a:ea typeface="+mn-ea"/>
+                <a:cs typeface="Calibri" pitchFamily="34" charset="0"/>
+                <a:sym typeface="Calibri"/>
+              </a:rPr>
+              <a:t>Case Analysis</a:t>
             </a:r>
           </a:p>
         </p:txBody>
@@ -21279,7 +21811,7 @@
     </p:spTree>
     <p:extLst>
       <p:ext uri="{BB962C8B-B14F-4D97-AF65-F5344CB8AC3E}">
-        <p14:creationId xmlns:p14="http://schemas.microsoft.com/office/powerpoint/2010/main" val="14558469"/>
+        <p14:creationId xmlns:p14="http://schemas.microsoft.com/office/powerpoint/2010/main" val="2317895550"/>
       </p:ext>
     </p:extLst>
   </p:cSld>
@@ -21857,8 +22389,8 @@
           </a:p>
         </p:txBody>
       </p:sp>
-      <mc:AlternateContent xmlns:mc="http://schemas.openxmlformats.org/markup-compatibility/2006">
-        <mc:Choice xmlns:a14="http://schemas.microsoft.com/office/drawing/2010/main" Requires="a14">
+      <mc:AlternateContent xmlns:mc="http://schemas.openxmlformats.org/markup-compatibility/2006" xmlns:a14="http://schemas.microsoft.com/office/drawing/2010/main">
+        <mc:Choice Requires="a14">
           <p:sp>
             <p:nvSpPr>
               <p:cNvPr id="3" name="Content Placeholder 2">
@@ -22078,7 +22610,7 @@
             </p:txBody>
           </p:sp>
         </mc:Choice>
-        <mc:Fallback>
+        <mc:Fallback xmlns="">
           <p:sp>
             <p:nvSpPr>
               <p:cNvPr id="3" name="Content Placeholder 2">
@@ -22557,8 +23089,8 @@
           </a:p>
         </p:txBody>
       </p:sp>
-      <mc:AlternateContent xmlns:mc="http://schemas.openxmlformats.org/markup-compatibility/2006">
-        <mc:Choice xmlns:a14="http://schemas.microsoft.com/office/drawing/2010/main" Requires="a14">
+      <mc:AlternateContent xmlns:mc="http://schemas.openxmlformats.org/markup-compatibility/2006" xmlns:a14="http://schemas.microsoft.com/office/drawing/2010/main">
+        <mc:Choice Requires="a14">
           <p:sp>
             <p:nvSpPr>
               <p:cNvPr id="3" name="Content Placeholder 2">
@@ -22832,7 +23364,7 @@
             </p:txBody>
           </p:sp>
         </mc:Choice>
-        <mc:Fallback>
+        <mc:Fallback xmlns="">
           <p:sp>
             <p:nvSpPr>
               <p:cNvPr id="3" name="Content Placeholder 2">
@@ -22934,494 +23466,329 @@
       </p:grpSpPr>
       <p:sp>
         <p:nvSpPr>
-          <p:cNvPr id="4" name="Text Placeholder 2"/>
-          <p:cNvSpPr txBox="1">
-            <a:spLocks/>
+          <p:cNvPr id="2" name="Title 1">
+            <a:extLst>
+              <a:ext uri="{FF2B5EF4-FFF2-40B4-BE49-F238E27FC236}">
+                <a16:creationId xmlns:a16="http://schemas.microsoft.com/office/drawing/2014/main" id="{616AC9F1-1AC2-FEBA-4860-469C55254D3E}"/>
+              </a:ext>
+            </a:extLst>
+          </p:cNvPr>
+          <p:cNvSpPr>
+            <a:spLocks noGrp="1"/>
           </p:cNvSpPr>
+          <p:nvPr>
+            <p:ph type="ctrTitle"/>
+          </p:nvPr>
+        </p:nvSpPr>
+        <p:spPr>
+          <a:xfrm>
+            <a:off x="1524000" y="591897"/>
+            <a:ext cx="9144000" cy="1008303"/>
+          </a:xfrm>
+        </p:spPr>
+        <p:txBody>
+          <a:bodyPr/>
+          <a:lstStyle/>
+          <a:p>
+            <a:r>
+              <a:rPr lang="en-US" dirty="0"/>
+              <a:t>Elements of Solving</a:t>
+            </a:r>
+          </a:p>
+        </p:txBody>
+      </p:sp>
+      <p:sp>
+        <p:nvSpPr>
+          <p:cNvPr id="6" name="Rectangle: Rounded Corners 5">
+            <a:extLst>
+              <a:ext uri="{FF2B5EF4-FFF2-40B4-BE49-F238E27FC236}">
+                <a16:creationId xmlns:a16="http://schemas.microsoft.com/office/drawing/2014/main" id="{24C98352-E097-F953-7443-A24C43EB29AB}"/>
+              </a:ext>
+            </a:extLst>
+          </p:cNvPr>
+          <p:cNvSpPr/>
           <p:nvPr/>
         </p:nvSpPr>
         <p:spPr>
           <a:xfrm>
-            <a:off x="2731540" y="2774174"/>
-            <a:ext cx="6664255" cy="1218795"/>
+            <a:off x="2682815" y="2389517"/>
+            <a:ext cx="3027872" cy="1595887"/>
           </a:xfrm>
-          <a:prstGeom prst="rect">
+          <a:prstGeom prst="roundRect">
             <a:avLst/>
           </a:prstGeom>
         </p:spPr>
+        <p:style>
+          <a:lnRef idx="2">
+            <a:schemeClr val="dk1"/>
+          </a:lnRef>
+          <a:fillRef idx="1">
+            <a:schemeClr val="lt1"/>
+          </a:fillRef>
+          <a:effectRef idx="0">
+            <a:schemeClr val="dk1"/>
+          </a:effectRef>
+          <a:fontRef idx="minor">
+            <a:schemeClr val="dk1"/>
+          </a:fontRef>
+        </p:style>
         <p:txBody>
-          <a:bodyPr vert="horz" wrap="square" lIns="0" tIns="0" rIns="0" bIns="0" rtlCol="0">
-            <a:spAutoFit/>
-          </a:bodyPr>
+          <a:bodyPr rtlCol="0" anchor="ctr"/>
           <a:lstStyle/>
           <a:p>
-            <a:pPr marL="384954" marR="0" lvl="0" indent="-384954" algn="ctr" defTabSz="914363" rtl="0" eaLnBrk="1" fontAlgn="auto" latinLnBrk="0" hangingPunct="1">
-              <a:lnSpc>
-                <a:spcPct val="90000"/>
-              </a:lnSpc>
-              <a:spcBef>
-                <a:spcPct val="20000"/>
-              </a:spcBef>
-              <a:spcAft>
-                <a:spcPts val="0"/>
-              </a:spcAft>
-              <a:buClrTx/>
-              <a:buSzPct val="90000"/>
-              <a:buFontTx/>
-              <a:buNone/>
-              <a:tabLst/>
-              <a:defRPr/>
-            </a:pPr>
+            <a:pPr algn="ctr"/>
             <a:r>
-              <a:rPr kumimoji="0" lang="en-US" sz="4400" b="1" i="0" u="none" strike="noStrike" kern="0" cap="none" spc="0" normalizeH="0" baseline="0" noProof="0">
-                <a:ln>
-                  <a:noFill/>
-                </a:ln>
-                <a:solidFill>
-                  <a:srgbClr val="FF0000"/>
-                </a:solidFill>
-                <a:effectLst/>
-                <a:uLnTx/>
-                <a:uFillTx/>
-                <a:latin typeface="Calibri"/>
-                <a:ea typeface="Calibri"/>
-                <a:cs typeface="Calibri"/>
-                <a:sym typeface="Symbol"/>
-              </a:rPr>
-              <a:t>Is formula </a:t>
+              <a:rPr lang="en-US" sz="2400" dirty="0"/>
+              <a:t>Satisfiability Preserving </a:t>
             </a:r>
+            <a:br>
+              <a:rPr lang="en-US" sz="2400" dirty="0"/>
+            </a:br>
             <a:r>
-              <a:rPr kumimoji="0" lang="en-US" sz="4400" b="1" i="1" u="none" strike="noStrike" kern="0" cap="none" spc="0" normalizeH="0" baseline="0" noProof="0">
-                <a:ln>
-                  <a:noFill/>
-                </a:ln>
-                <a:solidFill>
-                  <a:srgbClr val="FF0000"/>
-                </a:solidFill>
-                <a:effectLst/>
-                <a:uLnTx/>
-                <a:uFillTx/>
-                <a:latin typeface="Calibri"/>
-                <a:ea typeface="Calibri"/>
-                <a:cs typeface="Calibri"/>
-                <a:sym typeface="Symbol"/>
-              </a:rPr>
-              <a:t></a:t>
-            </a:r>
-            <a:r>
-              <a:rPr kumimoji="0" lang="en-US" sz="4400" b="1" i="0" u="none" strike="noStrike" kern="0" cap="none" spc="0" normalizeH="0" baseline="0" noProof="0">
-                <a:ln>
-                  <a:noFill/>
-                </a:ln>
-                <a:solidFill>
-                  <a:srgbClr val="FF0000"/>
-                </a:solidFill>
-                <a:effectLst/>
-                <a:uLnTx/>
-                <a:uFillTx/>
-                <a:latin typeface="Calibri"/>
-                <a:ea typeface="Calibri"/>
-                <a:cs typeface="Calibri"/>
-                <a:sym typeface="Symbol"/>
-              </a:rPr>
-              <a:t>  </a:t>
-            </a:r>
-            <a:r>
-              <a:rPr kumimoji="0" lang="en-US" sz="4400" b="1" i="0" u="none" strike="noStrike" kern="0" cap="none" spc="0" normalizeH="0" baseline="0" noProof="0" err="1">
-                <a:ln>
-                  <a:noFill/>
-                </a:ln>
-                <a:solidFill>
-                  <a:srgbClr val="FF0000"/>
-                </a:solidFill>
-                <a:effectLst/>
-                <a:uLnTx/>
-                <a:uFillTx/>
-                <a:latin typeface="Calibri"/>
-                <a:ea typeface="Calibri"/>
-                <a:cs typeface="Calibri"/>
-                <a:sym typeface="Symbol"/>
-              </a:rPr>
-              <a:t>satisfiable</a:t>
-            </a:r>
-            <a:r>
-              <a:rPr kumimoji="0" lang="en-US" sz="4400" b="1" i="0" u="none" strike="noStrike" kern="0" cap="none" spc="0" normalizeH="0" baseline="0" noProof="0">
-                <a:ln>
-                  <a:noFill/>
-                </a:ln>
-                <a:solidFill>
-                  <a:srgbClr val="FF0000"/>
-                </a:solidFill>
-                <a:effectLst/>
-                <a:uLnTx/>
-                <a:uFillTx/>
-                <a:latin typeface="Calibri"/>
-                <a:ea typeface="Calibri"/>
-                <a:cs typeface="Calibri"/>
-                <a:sym typeface="Symbol"/>
-              </a:rPr>
-              <a:t> modulo theory </a:t>
-            </a:r>
-            <a:r>
-              <a:rPr kumimoji="0" lang="en-US" sz="4400" b="1" i="1" u="none" strike="noStrike" kern="0" cap="none" spc="0" normalizeH="0" baseline="0" noProof="0">
-                <a:ln>
-                  <a:noFill/>
-                </a:ln>
-                <a:solidFill>
-                  <a:srgbClr val="FF0000"/>
-                </a:solidFill>
-                <a:effectLst/>
-                <a:uLnTx/>
-                <a:uFillTx/>
-                <a:latin typeface="Calibri"/>
-                <a:ea typeface="Calibri"/>
-                <a:cs typeface="Calibri"/>
-                <a:sym typeface="Symbol"/>
-              </a:rPr>
-              <a:t>T </a:t>
-            </a:r>
-            <a:r>
-              <a:rPr kumimoji="0" lang="en-US" sz="4400" b="1" i="0" u="none" strike="noStrike" kern="0" cap="none" spc="0" normalizeH="0" baseline="0" noProof="0">
-                <a:ln>
-                  <a:noFill/>
-                </a:ln>
-                <a:solidFill>
-                  <a:srgbClr val="FF0000"/>
-                </a:solidFill>
-                <a:effectLst/>
-                <a:uLnTx/>
-                <a:uFillTx/>
-                <a:latin typeface="Calibri"/>
-                <a:ea typeface="Calibri"/>
-                <a:cs typeface="Calibri"/>
-                <a:sym typeface="Symbol"/>
-              </a:rPr>
-              <a:t>? </a:t>
+              <a:rPr lang="en-US" sz="2400" dirty="0"/>
+              <a:t>Pre/in-processing</a:t>
             </a:r>
           </a:p>
         </p:txBody>
       </p:sp>
       <p:sp>
         <p:nvSpPr>
-          <p:cNvPr id="5" name="Rectangular Callout 4"/>
+          <p:cNvPr id="8" name="Rectangle: Rounded Corners 7">
+            <a:extLst>
+              <a:ext uri="{FF2B5EF4-FFF2-40B4-BE49-F238E27FC236}">
+                <a16:creationId xmlns:a16="http://schemas.microsoft.com/office/drawing/2014/main" id="{097DB5E0-42E9-E2AB-0512-099D976E6EF2}"/>
+              </a:ext>
+            </a:extLst>
+          </p:cNvPr>
           <p:cNvSpPr/>
-          <p:nvPr/>
-        </p:nvSpPr>
-        <p:spPr bwMode="auto">
-          <a:xfrm>
-            <a:off x="5362470" y="4401177"/>
-            <a:ext cx="4863402" cy="1587640"/>
-          </a:xfrm>
-          <a:prstGeom prst="wedgeRectCallout">
-            <a:avLst>
-              <a:gd name="adj1" fmla="val -9250"/>
-              <a:gd name="adj2" fmla="val -74842"/>
-            </a:avLst>
-          </a:prstGeom>
-          <a:gradFill rotWithShape="1">
-            <a:gsLst>
-              <a:gs pos="0">
-                <a:srgbClr val="5782B5">
-                  <a:tint val="62000"/>
-                  <a:satMod val="180000"/>
-                </a:srgbClr>
-              </a:gs>
-              <a:gs pos="65000">
-                <a:srgbClr val="5782B5">
-                  <a:tint val="32000"/>
-                  <a:satMod val="250000"/>
-                </a:srgbClr>
-              </a:gs>
-              <a:gs pos="100000">
-                <a:srgbClr val="5782B5">
-                  <a:tint val="23000"/>
-                  <a:satMod val="300000"/>
-                </a:srgbClr>
-              </a:gs>
-            </a:gsLst>
-            <a:lin ang="16200000" scaled="0"/>
-          </a:gradFill>
-          <a:ln w="9525" cap="flat" cmpd="sng" algn="ctr">
-            <a:solidFill>
-              <a:srgbClr val="5782B5"/>
-            </a:solidFill>
-            <a:prstDash val="solid"/>
-            <a:headEnd type="none" w="med" len="med"/>
-            <a:tailEnd type="none" w="med" len="med"/>
-          </a:ln>
-          <a:effectLst>
-            <a:outerShdw blurRad="50800" dist="38100" dir="5400000" rotWithShape="0">
-              <a:srgbClr val="000000">
-                <a:alpha val="35000"/>
-              </a:srgbClr>
-            </a:outerShdw>
-          </a:effectLst>
-        </p:spPr>
-        <p:txBody>
-          <a:bodyPr vert="horz" wrap="square" lIns="109728" tIns="54864" rIns="109728" bIns="54864" numCol="1" rtlCol="0" anchor="ctr" anchorCtr="0" compatLnSpc="1">
-            <a:prstTxWarp prst="textNoShape">
-              <a:avLst/>
-            </a:prstTxWarp>
-          </a:bodyPr>
-          <a:lstStyle/>
-          <a:p>
-            <a:pPr marL="0" marR="0" lvl="0" indent="0" algn="ctr" defTabSz="1096963" rtl="0" eaLnBrk="1" fontAlgn="base" latinLnBrk="0" hangingPunct="1">
-              <a:lnSpc>
-                <a:spcPct val="100000"/>
-              </a:lnSpc>
-              <a:spcBef>
-                <a:spcPct val="0"/>
-              </a:spcBef>
-              <a:spcAft>
-                <a:spcPct val="0"/>
-              </a:spcAft>
-              <a:buClrTx/>
-              <a:buSzTx/>
-              <a:buFontTx/>
-              <a:buNone/>
-              <a:tabLst/>
-              <a:defRPr/>
-            </a:pPr>
-            <a:r>
-              <a:rPr kumimoji="0" lang="en-US" sz="2800" b="0" i="0" u="none" strike="noStrike" kern="0" cap="none" spc="0" normalizeH="0" baseline="0" noProof="0">
-                <a:ln>
-                  <a:noFill/>
-                </a:ln>
-                <a:solidFill>
-                  <a:srgbClr val="000000"/>
-                </a:solidFill>
-                <a:effectLst/>
-                <a:uLnTx/>
-                <a:uFillTx/>
-                <a:latin typeface="Segoe"/>
-                <a:ea typeface="Calibri"/>
-                <a:cs typeface="Calibri"/>
-                <a:sym typeface="Calibri"/>
-              </a:rPr>
-              <a:t>SMT solvers have specialized algorithms for </a:t>
-            </a:r>
-            <a:r>
-              <a:rPr kumimoji="0" lang="en-US" sz="2800" b="0" i="1" u="none" strike="noStrike" kern="0" cap="none" spc="0" normalizeH="0" baseline="0" noProof="0">
-                <a:ln>
-                  <a:noFill/>
-                </a:ln>
-                <a:solidFill>
-                  <a:srgbClr val="000000"/>
-                </a:solidFill>
-                <a:effectLst/>
-                <a:uLnTx/>
-                <a:uFillTx/>
-                <a:latin typeface="Segoe"/>
-                <a:ea typeface="Calibri"/>
-                <a:cs typeface="Calibri"/>
-                <a:sym typeface="Calibri"/>
-              </a:rPr>
-              <a:t>T</a:t>
-            </a:r>
-          </a:p>
-        </p:txBody>
-      </p:sp>
-      <p:sp>
-        <p:nvSpPr>
-          <p:cNvPr id="6" name="Title 1"/>
-          <p:cNvSpPr txBox="1">
-            <a:spLocks/>
-          </p:cNvSpPr>
           <p:nvPr/>
         </p:nvSpPr>
         <p:spPr>
           <a:xfrm>
-            <a:off x="1905000" y="230188"/>
-            <a:ext cx="9037320" cy="1758632"/>
+            <a:off x="6294407" y="4477109"/>
+            <a:ext cx="3027872" cy="1595887"/>
           </a:xfrm>
-          <a:prstGeom prst="rect">
+          <a:prstGeom prst="roundRect">
             <a:avLst/>
           </a:prstGeom>
         </p:spPr>
+        <p:style>
+          <a:lnRef idx="2">
+            <a:schemeClr val="dk1"/>
+          </a:lnRef>
+          <a:fillRef idx="1">
+            <a:schemeClr val="lt1"/>
+          </a:fillRef>
+          <a:effectRef idx="0">
+            <a:schemeClr val="dk1"/>
+          </a:effectRef>
+          <a:fontRef idx="minor">
+            <a:schemeClr val="dk1"/>
+          </a:fontRef>
+        </p:style>
         <p:txBody>
-          <a:bodyPr>
-            <a:normAutofit fontScale="97500"/>
-          </a:bodyPr>
-          <a:lstStyle>
-            <a:lvl1pPr algn="ctr" defTabSz="914400" rtl="0" eaLnBrk="1" latinLnBrk="0" hangingPunct="1">
-              <a:spcBef>
-                <a:spcPct val="0"/>
-              </a:spcBef>
-              <a:buNone/>
-              <a:defRPr sz="4400" kern="1200">
-                <a:solidFill>
-                  <a:schemeClr val="tx1"/>
-                </a:solidFill>
-                <a:latin typeface="+mj-lt"/>
-                <a:ea typeface="+mj-ea"/>
-                <a:cs typeface="+mj-cs"/>
-              </a:defRPr>
-            </a:lvl1pPr>
-          </a:lstStyle>
-          <a:p>
-            <a:pPr marL="0" marR="0" lvl="0" indent="0" algn="ctr" defTabSz="914400" rtl="0" eaLnBrk="1" fontAlgn="auto" latinLnBrk="0" hangingPunct="1">
-              <a:lnSpc>
-                <a:spcPct val="100000"/>
-              </a:lnSpc>
-              <a:spcBef>
-                <a:spcPct val="0"/>
-              </a:spcBef>
-              <a:spcAft>
-                <a:spcPts val="0"/>
-              </a:spcAft>
-              <a:buClrTx/>
-              <a:buSzTx/>
-              <a:buFontTx/>
-              <a:buNone/>
-              <a:tabLst/>
-              <a:defRPr/>
-            </a:pPr>
+          <a:bodyPr rtlCol="0" anchor="ctr"/>
+          <a:lstStyle/>
+          <a:p>
+            <a:pPr algn="ctr"/>
             <a:r>
-              <a:rPr kumimoji="0" lang="en-US" sz="4800" b="0" i="0" u="none" strike="noStrike" kern="1200" cap="none" spc="0" normalizeH="0" baseline="0" noProof="0">
-                <a:ln>
-                  <a:noFill/>
-                </a:ln>
-                <a:solidFill>
-                  <a:srgbClr val="000000"/>
-                </a:solidFill>
-                <a:effectLst/>
-                <a:uLnTx/>
-                <a:uFillTx/>
-                <a:latin typeface="Calibri"/>
-                <a:ea typeface="Calibri"/>
-                <a:cs typeface="Calibri"/>
-                <a:sym typeface="Calibri"/>
-              </a:rPr>
-              <a:t>Satisfiability Modulo Theories (SMT)</a:t>
+              <a:rPr lang="en-US" sz="3600" dirty="0"/>
+              <a:t>Search</a:t>
             </a:r>
-            <a:endParaRPr kumimoji="0" lang="en-US" sz="4800" b="0" i="0" u="none" strike="noStrike" kern="1200" cap="none" spc="-167" normalizeH="0" baseline="0" noProof="0">
-              <a:ln>
-                <a:noFill/>
-              </a:ln>
-              <a:solidFill>
-                <a:srgbClr val="4472C4"/>
-              </a:solidFill>
-              <a:effectLst>
-                <a:outerShdw blurRad="50800" dist="38100" dir="2700000" algn="tl" rotWithShape="0">
-                  <a:prstClr val="black">
-                    <a:alpha val="61000"/>
-                  </a:prstClr>
-                </a:outerShdw>
-              </a:effectLst>
-              <a:uLnTx/>
-              <a:uFillTx/>
-              <a:latin typeface="Calibri"/>
-              <a:ea typeface="Calibri"/>
-              <a:cs typeface="Calibri"/>
-              <a:sym typeface="Calibri"/>
-            </a:endParaRPr>
           </a:p>
         </p:txBody>
       </p:sp>
+      <p:cxnSp>
+        <p:nvCxnSpPr>
+          <p:cNvPr id="10" name="Connector: Elbow 9">
+            <a:extLst>
+              <a:ext uri="{FF2B5EF4-FFF2-40B4-BE49-F238E27FC236}">
+                <a16:creationId xmlns:a16="http://schemas.microsoft.com/office/drawing/2014/main" id="{6D3D1DE5-B985-7E83-0BEB-ED7C2733A935}"/>
+              </a:ext>
+            </a:extLst>
+          </p:cNvPr>
+          <p:cNvCxnSpPr>
+            <a:stCxn id="6" idx="3"/>
+            <a:endCxn id="8" idx="0"/>
+          </p:cNvCxnSpPr>
+          <p:nvPr/>
+        </p:nvCxnSpPr>
+        <p:spPr>
+          <a:xfrm>
+            <a:off x="5710687" y="3187461"/>
+            <a:ext cx="2097656" cy="1280160"/>
+          </a:xfrm>
+          <a:prstGeom prst="bentConnector2">
+            <a:avLst/>
+          </a:prstGeom>
+          <a:ln w="25400">
+            <a:tailEnd type="triangle" w="lg" len="lg"/>
+          </a:ln>
+        </p:spPr>
+        <p:style>
+          <a:lnRef idx="1">
+            <a:schemeClr val="dk1"/>
+          </a:lnRef>
+          <a:fillRef idx="0">
+            <a:schemeClr val="dk1"/>
+          </a:fillRef>
+          <a:effectRef idx="0">
+            <a:schemeClr val="dk1"/>
+          </a:effectRef>
+          <a:fontRef idx="minor">
+            <a:schemeClr val="tx1"/>
+          </a:fontRef>
+        </p:style>
+      </p:cxnSp>
+      <p:cxnSp>
+        <p:nvCxnSpPr>
+          <p:cNvPr id="11" name="Connector: Elbow 10">
+            <a:extLst>
+              <a:ext uri="{FF2B5EF4-FFF2-40B4-BE49-F238E27FC236}">
+                <a16:creationId xmlns:a16="http://schemas.microsoft.com/office/drawing/2014/main" id="{C9985C7D-6D4C-D5E8-6E5E-B16FF34EC8F5}"/>
+              </a:ext>
+            </a:extLst>
+          </p:cNvPr>
+          <p:cNvCxnSpPr>
+            <a:cxnSpLocks/>
+            <a:stCxn id="8" idx="1"/>
+            <a:endCxn id="6" idx="2"/>
+          </p:cNvCxnSpPr>
+          <p:nvPr/>
+        </p:nvCxnSpPr>
+        <p:spPr>
+          <a:xfrm rot="10800000">
+            <a:off x="4196751" y="3985405"/>
+            <a:ext cx="2097656" cy="1289649"/>
+          </a:xfrm>
+          <a:prstGeom prst="bentConnector2">
+            <a:avLst/>
+          </a:prstGeom>
+          <a:ln w="25400">
+            <a:tailEnd type="triangle" w="lg" len="lg"/>
+          </a:ln>
+        </p:spPr>
+        <p:style>
+          <a:lnRef idx="1">
+            <a:schemeClr val="dk1"/>
+          </a:lnRef>
+          <a:fillRef idx="0">
+            <a:schemeClr val="dk1"/>
+          </a:fillRef>
+          <a:effectRef idx="0">
+            <a:schemeClr val="dk1"/>
+          </a:effectRef>
+          <a:fontRef idx="minor">
+            <a:schemeClr val="tx1"/>
+          </a:fontRef>
+        </p:style>
+      </p:cxnSp>
     </p:spTree>
     <p:extLst>
       <p:ext uri="{BB962C8B-B14F-4D97-AF65-F5344CB8AC3E}">
-        <p14:creationId xmlns:p14="http://schemas.microsoft.com/office/powerpoint/2010/main" val="4157459101"/>
+        <p14:creationId xmlns:p14="http://schemas.microsoft.com/office/powerpoint/2010/main" val="3768625772"/>
       </p:ext>
     </p:extLst>
   </p:cSld>
   <p:clrMapOvr>
     <a:masterClrMapping/>
   </p:clrMapOvr>
-  <mc:AlternateContent xmlns:mc="http://schemas.openxmlformats.org/markup-compatibility/2006" xmlns:p14="http://schemas.microsoft.com/office/powerpoint/2010/main">
-    <mc:Choice Requires="p14">
-      <p:transition spd="med" p14:dur="700">
-        <p:fade/>
-      </p:transition>
-    </mc:Choice>
-    <mc:Fallback xmlns="">
-      <p:transition spd="med">
-        <p:fade/>
-      </p:transition>
-    </mc:Fallback>
-  </mc:AlternateContent>
-  <p:timing>
-    <p:tnLst>
-      <p:par>
-        <p:cTn id="1" dur="indefinite" restart="never" nodeType="tmRoot">
-          <p:childTnLst>
-            <p:seq concurrent="1" nextAc="seek">
-              <p:cTn id="2" dur="indefinite" nodeType="mainSeq">
-                <p:childTnLst>
-                  <p:par>
-                    <p:cTn id="3" fill="hold">
-                      <p:stCondLst>
-                        <p:cond delay="indefinite"/>
-                      </p:stCondLst>
-                      <p:childTnLst>
-                        <p:par>
-                          <p:cTn id="4" fill="hold">
-                            <p:stCondLst>
-                              <p:cond delay="0"/>
-                            </p:stCondLst>
-                            <p:childTnLst>
-                              <p:par>
-                                <p:cTn id="5" presetID="1" presetClass="entr" presetSubtype="0" fill="hold" grpId="0" nodeType="clickEffect">
-                                  <p:stCondLst>
-                                    <p:cond delay="0"/>
-                                  </p:stCondLst>
-                                  <p:childTnLst>
-                                    <p:set>
-                                      <p:cBhvr>
-                                        <p:cTn id="6" dur="1" fill="hold">
-                                          <p:stCondLst>
-                                            <p:cond delay="0"/>
-                                          </p:stCondLst>
-                                        </p:cTn>
-                                        <p:tgtEl>
-                                          <p:spTgt spid="5"/>
-                                        </p:tgtEl>
-                                        <p:attrNameLst>
-                                          <p:attrName>style.visibility</p:attrName>
-                                        </p:attrNameLst>
-                                      </p:cBhvr>
-                                      <p:to>
-                                        <p:strVal val="visible"/>
-                                      </p:to>
-                                    </p:set>
-                                  </p:childTnLst>
-                                </p:cTn>
-                              </p:par>
-                            </p:childTnLst>
-                          </p:cTn>
-                        </p:par>
-                      </p:childTnLst>
-                    </p:cTn>
-                  </p:par>
-                </p:childTnLst>
-              </p:cTn>
-              <p:prevCondLst>
-                <p:cond evt="onPrev" delay="0">
-                  <p:tgtEl>
-                    <p:sldTgt/>
-                  </p:tgtEl>
-                </p:cond>
-              </p:prevCondLst>
-              <p:nextCondLst>
-                <p:cond evt="onNext" delay="0">
-                  <p:tgtEl>
-                    <p:sldTgt/>
-                  </p:tgtEl>
-                </p:cond>
-              </p:nextCondLst>
-            </p:seq>
-          </p:childTnLst>
-        </p:cTn>
-      </p:par>
-    </p:tnLst>
-    <p:bldLst>
-      <p:bldP spid="5" grpId="0" animBg="1"/>
-    </p:bldLst>
-  </p:timing>
 </p:sld>
 </file>
 
 <file path=ppt/slides/slide5.xml><?xml version="1.0" encoding="utf-8"?>
+<p:sld xmlns:a="http://schemas.openxmlformats.org/drawingml/2006/main" xmlns:r="http://schemas.openxmlformats.org/officeDocument/2006/relationships" xmlns:p="http://schemas.openxmlformats.org/presentationml/2006/main">
+  <p:cSld>
+    <p:spTree>
+      <p:nvGrpSpPr>
+        <p:cNvPr id="1" name="">
+          <a:extLst>
+            <a:ext uri="{FF2B5EF4-FFF2-40B4-BE49-F238E27FC236}">
+              <a16:creationId xmlns:a16="http://schemas.microsoft.com/office/drawing/2014/main" id="{AB4F6FFB-7650-4B80-A7EC-A57101AA964A}"/>
+            </a:ext>
+          </a:extLst>
+        </p:cNvPr>
+        <p:cNvGrpSpPr/>
+        <p:nvPr/>
+      </p:nvGrpSpPr>
+      <p:grpSpPr>
+        <a:xfrm>
+          <a:off x="0" y="0"/>
+          <a:ext cx="0" cy="0"/>
+          <a:chOff x="0" y="0"/>
+          <a:chExt cx="0" cy="0"/>
+        </a:xfrm>
+      </p:grpSpPr>
+      <p:sp>
+        <p:nvSpPr>
+          <p:cNvPr id="2" name="Title 1">
+            <a:extLst>
+              <a:ext uri="{FF2B5EF4-FFF2-40B4-BE49-F238E27FC236}">
+                <a16:creationId xmlns:a16="http://schemas.microsoft.com/office/drawing/2014/main" id="{0C503847-C139-1C39-EEBE-DB97BED57175}"/>
+              </a:ext>
+            </a:extLst>
+          </p:cNvPr>
+          <p:cNvSpPr>
+            <a:spLocks noGrp="1"/>
+          </p:cNvSpPr>
+          <p:nvPr>
+            <p:ph type="ctrTitle"/>
+          </p:nvPr>
+        </p:nvSpPr>
+        <p:spPr/>
+        <p:txBody>
+          <a:bodyPr/>
+          <a:lstStyle/>
+          <a:p>
+            <a:r>
+              <a:rPr lang="en-US" dirty="0"/>
+              <a:t>Search Engines</a:t>
+            </a:r>
+          </a:p>
+        </p:txBody>
+      </p:sp>
+      <p:sp>
+        <p:nvSpPr>
+          <p:cNvPr id="3" name="Subtitle 2">
+            <a:extLst>
+              <a:ext uri="{FF2B5EF4-FFF2-40B4-BE49-F238E27FC236}">
+                <a16:creationId xmlns:a16="http://schemas.microsoft.com/office/drawing/2014/main" id="{E8C97EBB-C626-86A3-5695-063535C84123}"/>
+              </a:ext>
+            </a:extLst>
+          </p:cNvPr>
+          <p:cNvSpPr>
+            <a:spLocks noGrp="1"/>
+          </p:cNvSpPr>
+          <p:nvPr>
+            <p:ph type="subTitle" idx="1"/>
+          </p:nvPr>
+        </p:nvSpPr>
+        <p:spPr/>
+        <p:txBody>
+          <a:bodyPr/>
+          <a:lstStyle/>
+          <a:p>
+            <a:r>
+              <a:rPr lang="en-US" dirty="0"/>
+              <a:t>CDCL(T)	SPACER	NLSAT		QSAT</a:t>
+            </a:r>
+          </a:p>
+        </p:txBody>
+      </p:sp>
+    </p:spTree>
+    <p:extLst>
+      <p:ext uri="{BB962C8B-B14F-4D97-AF65-F5344CB8AC3E}">
+        <p14:creationId xmlns:p14="http://schemas.microsoft.com/office/powerpoint/2010/main" val="14558469"/>
+      </p:ext>
+    </p:extLst>
+  </p:cSld>
+  <p:clrMapOvr>
+    <a:masterClrMapping/>
+  </p:clrMapOvr>
+</p:sld>
+</file>
+
+<file path=ppt/slides/slide6.xml><?xml version="1.0" encoding="utf-8"?>
 <p:sld xmlns:a="http://schemas.openxmlformats.org/drawingml/2006/main" xmlns:r="http://schemas.openxmlformats.org/officeDocument/2006/relationships" xmlns:p="http://schemas.openxmlformats.org/presentationml/2006/main">
   <p:cSld>
     <p:spTree>
@@ -23539,373 +23906,6 @@
     <p:extLst>
       <p:ext uri="{BB962C8B-B14F-4D97-AF65-F5344CB8AC3E}">
         <p14:creationId xmlns:p14="http://schemas.microsoft.com/office/powerpoint/2010/main" val="654932475"/>
-      </p:ext>
-    </p:extLst>
-  </p:cSld>
-  <p:clrMapOvr>
-    <a:masterClrMapping/>
-  </p:clrMapOvr>
-</p:sld>
-</file>
-
-<file path=ppt/slides/slide6.xml><?xml version="1.0" encoding="utf-8"?>
-<p:sld xmlns:a="http://schemas.openxmlformats.org/drawingml/2006/main" xmlns:r="http://schemas.openxmlformats.org/officeDocument/2006/relationships" xmlns:p="http://schemas.openxmlformats.org/presentationml/2006/main">
-  <p:cSld>
-    <p:spTree>
-      <p:nvGrpSpPr>
-        <p:cNvPr id="1" name=""/>
-        <p:cNvGrpSpPr/>
-        <p:nvPr/>
-      </p:nvGrpSpPr>
-      <p:grpSpPr>
-        <a:xfrm>
-          <a:off x="0" y="0"/>
-          <a:ext cx="0" cy="0"/>
-          <a:chOff x="0" y="0"/>
-          <a:chExt cx="0" cy="0"/>
-        </a:xfrm>
-      </p:grpSpPr>
-      <p:graphicFrame>
-        <p:nvGraphicFramePr>
-          <p:cNvPr id="5" name="Diagram 4"/>
-          <p:cNvGraphicFramePr/>
-          <p:nvPr>
-            <p:extLst>
-              <p:ext uri="{D42A27DB-BD31-4B8C-83A1-F6EECF244321}">
-                <p14:modId xmlns:p14="http://schemas.microsoft.com/office/powerpoint/2010/main" val="569079361"/>
-              </p:ext>
-            </p:extLst>
-          </p:nvPr>
-        </p:nvGraphicFramePr>
-        <p:xfrm>
-          <a:off x="1788160" y="-132080"/>
-          <a:ext cx="8636000" cy="6156960"/>
-        </p:xfrm>
-        <a:graphic>
-          <a:graphicData uri="http://schemas.openxmlformats.org/drawingml/2006/diagram">
-            <dgm:relIds xmlns:dgm="http://schemas.openxmlformats.org/drawingml/2006/diagram" xmlns:r="http://schemas.openxmlformats.org/officeDocument/2006/relationships" r:dm="rId3" r:lo="rId4" r:qs="rId5" r:cs="rId6"/>
-          </a:graphicData>
-        </a:graphic>
-      </p:graphicFrame>
-      <p:sp>
-        <p:nvSpPr>
-          <p:cNvPr id="2" name="Title 1"/>
-          <p:cNvSpPr>
-            <a:spLocks noGrp="1"/>
-          </p:cNvSpPr>
-          <p:nvPr>
-            <p:ph type="title"/>
-          </p:nvPr>
-        </p:nvSpPr>
-        <p:spPr/>
-        <p:txBody>
-          <a:bodyPr/>
-          <a:lstStyle/>
-          <a:p>
-            <a:r>
-              <a:rPr lang="en-US" sz="4800" dirty="0">
-                <a:latin typeface="Calibri" pitchFamily="34" charset="0"/>
-                <a:sym typeface="Symbol"/>
-              </a:rPr>
-              <a:t>CDCL(T)</a:t>
-            </a:r>
-            <a:endParaRPr sz="4800" spc="-167" dirty="0">
-              <a:solidFill>
-                <a:schemeClr val="accent1"/>
-              </a:solidFill>
-              <a:effectLst>
-                <a:outerShdw blurRad="50800" dist="38100" dir="2700000" algn="tl" rotWithShape="0">
-                  <a:prstClr val="black">
-                    <a:alpha val="61000"/>
-                  </a:prstClr>
-                </a:outerShdw>
-              </a:effectLst>
-              <a:latin typeface="Calibri" pitchFamily="34" charset="0"/>
-            </a:endParaRPr>
-          </a:p>
-        </p:txBody>
-      </p:sp>
-      <p:sp>
-        <p:nvSpPr>
-          <p:cNvPr id="10" name="Text Placeholder 2"/>
-          <p:cNvSpPr txBox="1">
-            <a:spLocks/>
-          </p:cNvSpPr>
-          <p:nvPr/>
-        </p:nvSpPr>
-        <p:spPr>
-          <a:xfrm>
-            <a:off x="4931397" y="4088702"/>
-            <a:ext cx="2986088" cy="2003625"/>
-          </a:xfrm>
-          <a:prstGeom prst="rect">
-            <a:avLst/>
-          </a:prstGeom>
-        </p:spPr>
-        <p:txBody>
-          <a:bodyPr vert="horz" wrap="square" lIns="0" tIns="0" rIns="0" bIns="0" rtlCol="0">
-            <a:spAutoFit/>
-          </a:bodyPr>
-          <a:lstStyle/>
-          <a:p>
-            <a:pPr marL="384954" marR="0" lvl="0" indent="-384954" algn="l" defTabSz="914363" rtl="0" eaLnBrk="1" fontAlgn="auto" latinLnBrk="0" hangingPunct="1">
-              <a:lnSpc>
-                <a:spcPct val="90000"/>
-              </a:lnSpc>
-              <a:spcBef>
-                <a:spcPct val="20000"/>
-              </a:spcBef>
-              <a:spcAft>
-                <a:spcPts val="0"/>
-              </a:spcAft>
-              <a:buClrTx/>
-              <a:buSzPct val="90000"/>
-              <a:buFontTx/>
-              <a:buBlip>
-                <a:blip r:embed="rId8"/>
-              </a:buBlip>
-              <a:tabLst/>
-              <a:defRPr/>
-            </a:pPr>
-            <a:r>
-              <a:rPr kumimoji="0" lang="en-US" sz="3100" b="0" i="0" u="none" strike="noStrike" kern="1200" cap="none" spc="0" normalizeH="0" baseline="0" noProof="0">
-                <a:ln>
-                  <a:noFill/>
-                </a:ln>
-                <a:solidFill>
-                  <a:prstClr val="black"/>
-                </a:solidFill>
-                <a:effectLst/>
-                <a:uLnTx/>
-                <a:uFillTx/>
-                <a:latin typeface="Calibri"/>
-                <a:ea typeface="+mn-ea"/>
-                <a:cs typeface="+mn-cs"/>
-                <a:sym typeface="Symbol"/>
-              </a:rPr>
-              <a:t>Equality + UF</a:t>
-            </a:r>
-          </a:p>
-          <a:p>
-            <a:pPr marL="384954" marR="0" lvl="0" indent="-384954" algn="l" defTabSz="914363" rtl="0" eaLnBrk="1" fontAlgn="auto" latinLnBrk="0" hangingPunct="1">
-              <a:lnSpc>
-                <a:spcPct val="90000"/>
-              </a:lnSpc>
-              <a:spcBef>
-                <a:spcPct val="20000"/>
-              </a:spcBef>
-              <a:spcAft>
-                <a:spcPts val="0"/>
-              </a:spcAft>
-              <a:buClrTx/>
-              <a:buSzPct val="90000"/>
-              <a:buFontTx/>
-              <a:buBlip>
-                <a:blip r:embed="rId8"/>
-              </a:buBlip>
-              <a:tabLst/>
-              <a:defRPr/>
-            </a:pPr>
-            <a:r>
-              <a:rPr kumimoji="0" lang="en-US" sz="3100" b="0" i="0" u="none" strike="noStrike" kern="1200" cap="none" spc="0" normalizeH="0" baseline="0" noProof="0">
-                <a:ln>
-                  <a:noFill/>
-                </a:ln>
-                <a:solidFill>
-                  <a:prstClr val="black"/>
-                </a:solidFill>
-                <a:effectLst/>
-                <a:uLnTx/>
-                <a:uFillTx/>
-                <a:latin typeface="Calibri"/>
-                <a:ea typeface="+mn-ea"/>
-                <a:cs typeface="+mn-cs"/>
-                <a:sym typeface="Symbol"/>
-              </a:rPr>
-              <a:t>Arithmetic</a:t>
-            </a:r>
-          </a:p>
-          <a:p>
-            <a:pPr marL="384954" marR="0" lvl="0" indent="-384954" algn="l" defTabSz="914363" rtl="0" eaLnBrk="1" fontAlgn="auto" latinLnBrk="0" hangingPunct="1">
-              <a:lnSpc>
-                <a:spcPct val="90000"/>
-              </a:lnSpc>
-              <a:spcBef>
-                <a:spcPct val="20000"/>
-              </a:spcBef>
-              <a:spcAft>
-                <a:spcPts val="0"/>
-              </a:spcAft>
-              <a:buClrTx/>
-              <a:buSzPct val="90000"/>
-              <a:buFontTx/>
-              <a:buBlip>
-                <a:blip r:embed="rId8"/>
-              </a:buBlip>
-              <a:tabLst/>
-              <a:defRPr/>
-            </a:pPr>
-            <a:r>
-              <a:rPr kumimoji="0" lang="en-US" sz="3100" b="0" i="0" u="none" strike="noStrike" kern="1200" cap="none" spc="0" normalizeH="0" baseline="0" noProof="0">
-                <a:ln>
-                  <a:noFill/>
-                </a:ln>
-                <a:solidFill>
-                  <a:prstClr val="black"/>
-                </a:solidFill>
-                <a:effectLst/>
-                <a:uLnTx/>
-                <a:uFillTx/>
-                <a:latin typeface="Calibri"/>
-                <a:ea typeface="+mn-ea"/>
-                <a:cs typeface="+mn-cs"/>
-                <a:sym typeface="Symbol"/>
-              </a:rPr>
-              <a:t>Bit-vectors</a:t>
-            </a:r>
-          </a:p>
-          <a:p>
-            <a:pPr marL="384954" marR="0" lvl="0" indent="-384954" algn="l" defTabSz="914363" rtl="0" eaLnBrk="1" fontAlgn="auto" latinLnBrk="0" hangingPunct="1">
-              <a:lnSpc>
-                <a:spcPct val="90000"/>
-              </a:lnSpc>
-              <a:spcBef>
-                <a:spcPct val="20000"/>
-              </a:spcBef>
-              <a:spcAft>
-                <a:spcPts val="0"/>
-              </a:spcAft>
-              <a:buClrTx/>
-              <a:buSzPct val="90000"/>
-              <a:buFontTx/>
-              <a:buBlip>
-                <a:blip r:embed="rId8"/>
-              </a:buBlip>
-              <a:tabLst/>
-              <a:defRPr/>
-            </a:pPr>
-            <a:r>
-              <a:rPr kumimoji="0" lang="en-US" sz="3100" b="0" i="0" u="none" strike="noStrike" kern="1200" cap="none" spc="0" normalizeH="0" baseline="0" noProof="0">
-                <a:ln>
-                  <a:noFill/>
-                </a:ln>
-                <a:solidFill>
-                  <a:prstClr val="black"/>
-                </a:solidFill>
-                <a:effectLst/>
-                <a:uLnTx/>
-                <a:uFillTx/>
-                <a:latin typeface="Calibri"/>
-                <a:ea typeface="+mn-ea"/>
-                <a:cs typeface="+mn-cs"/>
-                <a:sym typeface="Symbol"/>
-              </a:rPr>
-              <a:t>…</a:t>
-            </a:r>
-            <a:endParaRPr kumimoji="0" lang="en-US" sz="3300" b="0" i="0" u="none" strike="noStrike" kern="1200" cap="none" spc="0" normalizeH="0" baseline="0" noProof="0">
-              <a:ln>
-                <a:noFill/>
-              </a:ln>
-              <a:solidFill>
-                <a:prstClr val="black"/>
-              </a:solidFill>
-              <a:effectLst/>
-              <a:uLnTx/>
-              <a:uFillTx/>
-              <a:latin typeface="Calibri"/>
-              <a:ea typeface="+mn-ea"/>
-              <a:cs typeface="+mn-cs"/>
-              <a:sym typeface="Calibri"/>
-            </a:endParaRPr>
-          </a:p>
-        </p:txBody>
-      </p:sp>
-      <p:sp>
-        <p:nvSpPr>
-          <p:cNvPr id="6" name="Rectangular Callout 5"/>
-          <p:cNvSpPr/>
-          <p:nvPr/>
-        </p:nvSpPr>
-        <p:spPr bwMode="auto">
-          <a:xfrm>
-            <a:off x="1826342" y="4655576"/>
-            <a:ext cx="2138517" cy="875070"/>
-          </a:xfrm>
-          <a:prstGeom prst="wedgeRectCallout">
-            <a:avLst>
-              <a:gd name="adj1" fmla="val -12891"/>
-              <a:gd name="adj2" fmla="val -125506"/>
-            </a:avLst>
-          </a:prstGeom>
-          <a:ln>
-            <a:headEnd type="none" w="med" len="med"/>
-            <a:tailEnd type="none" w="med" len="med"/>
-          </a:ln>
-        </p:spPr>
-        <p:style>
-          <a:lnRef idx="1">
-            <a:schemeClr val="accent3"/>
-          </a:lnRef>
-          <a:fillRef idx="2">
-            <a:schemeClr val="accent3"/>
-          </a:fillRef>
-          <a:effectRef idx="1">
-            <a:schemeClr val="accent3"/>
-          </a:effectRef>
-          <a:fontRef idx="minor">
-            <a:schemeClr val="dk1"/>
-          </a:fontRef>
-        </p:style>
-        <p:txBody>
-          <a:bodyPr vert="horz" wrap="square" lIns="109728" tIns="54864" rIns="109728" bIns="54864" numCol="1" rtlCol="0" anchor="ctr" anchorCtr="0" compatLnSpc="1">
-            <a:prstTxWarp prst="textNoShape">
-              <a:avLst/>
-            </a:prstTxWarp>
-          </a:bodyPr>
-          <a:lstStyle/>
-          <a:p>
-            <a:pPr marL="0" marR="0" lvl="0" indent="0" algn="l" defTabSz="1096963" rtl="0" eaLnBrk="1" fontAlgn="base" latinLnBrk="0" hangingPunct="1">
-              <a:lnSpc>
-                <a:spcPct val="100000"/>
-              </a:lnSpc>
-              <a:spcBef>
-                <a:spcPct val="0"/>
-              </a:spcBef>
-              <a:spcAft>
-                <a:spcPct val="0"/>
-              </a:spcAft>
-              <a:buClrTx/>
-              <a:buSzTx/>
-              <a:buFontTx/>
-              <a:buNone/>
-              <a:tabLst/>
-              <a:defRPr/>
-            </a:pPr>
-            <a:r>
-              <a:rPr kumimoji="0" lang="en-US" sz="2400" b="0" i="0" u="none" strike="noStrike" kern="1200" cap="none" spc="0" normalizeH="0" baseline="0" noProof="0">
-                <a:ln>
-                  <a:noFill/>
-                </a:ln>
-                <a:solidFill>
-                  <a:prstClr val="black"/>
-                </a:solidFill>
-                <a:effectLst/>
-                <a:uLnTx/>
-                <a:uFillTx/>
-                <a:latin typeface="Calibri"/>
-                <a:ea typeface="+mn-ea"/>
-                <a:cs typeface="Calibri" pitchFamily="34" charset="0"/>
-                <a:sym typeface="Calibri"/>
-              </a:rPr>
-              <a:t>Case Analysis</a:t>
-            </a:r>
-          </a:p>
-        </p:txBody>
-      </p:sp>
-    </p:spTree>
-    <p:extLst>
-      <p:ext uri="{BB962C8B-B14F-4D97-AF65-F5344CB8AC3E}">
-        <p14:creationId xmlns:p14="http://schemas.microsoft.com/office/powerpoint/2010/main" val="2317895550"/>
       </p:ext>
     </p:extLst>
   </p:cSld>
@@ -27511,21 +27511,6 @@
 </file>
 
 <file path=customXml/item1.xml><?xml version="1.0" encoding="utf-8"?>
-<?mso-contentType ?>
-<FormTemplates xmlns="http://schemas.microsoft.com/sharepoint/v3/contenttype/forms">
-  <Display>DocumentLibraryForm</Display>
-  <Edit>DocumentLibraryForm</Edit>
-  <New>DocumentLibraryForm</New>
-</FormTemplates>
-</file>
-
-<file path=customXml/item2.xml><?xml version="1.0" encoding="utf-8"?>
-<p:properties xmlns:p="http://schemas.microsoft.com/office/2006/metadata/properties" xmlns:xsi="http://www.w3.org/2001/XMLSchema-instance" xmlns:pc="http://schemas.microsoft.com/office/infopath/2007/PartnerControls">
-  <documentManagement/>
-</p:properties>
-</file>
-
-<file path=customXml/item3.xml><?xml version="1.0" encoding="utf-8"?>
 <ct:contentTypeSchema xmlns:ct="http://schemas.microsoft.com/office/2006/metadata/contentType" xmlns:ma="http://schemas.microsoft.com/office/2006/metadata/properties/metaAttributes" ct:_="" ma:_="" ma:contentTypeName="Document" ma:contentTypeID="0x01010097FD63E395080A43A32F443B5DB3CA82" ma:contentTypeVersion="15" ma:contentTypeDescription="Create a new document." ma:contentTypeScope="" ma:versionID="a3e21556ad7696f46e6aeed3e8446d09">
   <xsd:schema xmlns:xsd="http://www.w3.org/2001/XMLSchema" xmlns:xs="http://www.w3.org/2001/XMLSchema" xmlns:p="http://schemas.microsoft.com/office/2006/metadata/properties" xmlns:ns3="1eac365c-24b9-49f6-8b08-64a95c9e0c2d" xmlns:ns4="a2be3752-dc5b-4cdd-a620-72e6c83e257b" targetNamespace="http://schemas.microsoft.com/office/2006/metadata/properties" ma:root="true" ma:fieldsID="4546fefd2005ff12357c2bd0a43b79fc" ns3:_="" ns4:_="">
     <xsd:import namespace="1eac365c-24b9-49f6-8b08-64a95c9e0c2d"/>
@@ -27762,10 +27747,36 @@
 </ct:contentTypeSchema>
 </file>
 
+<file path=customXml/item2.xml><?xml version="1.0" encoding="utf-8"?>
+<p:properties xmlns:p="http://schemas.microsoft.com/office/2006/metadata/properties" xmlns:xsi="http://www.w3.org/2001/XMLSchema-instance" xmlns:pc="http://schemas.microsoft.com/office/infopath/2007/PartnerControls">
+  <documentManagement/>
+</p:properties>
+</file>
+
+<file path=customXml/item3.xml><?xml version="1.0" encoding="utf-8"?>
+<?mso-contentType ?>
+<FormTemplates xmlns="http://schemas.microsoft.com/sharepoint/v3/contenttype/forms">
+  <Display>DocumentLibraryForm</Display>
+  <Edit>DocumentLibraryForm</Edit>
+  <New>DocumentLibraryForm</New>
+</FormTemplates>
+</file>
+
 <file path=customXml/itemProps1.xml><?xml version="1.0" encoding="utf-8"?>
-<ds:datastoreItem xmlns:ds="http://schemas.openxmlformats.org/officeDocument/2006/customXml" ds:itemID="{B5E21315-3456-4FBC-8807-B24E962756AF}">
+<ds:datastoreItem xmlns:ds="http://schemas.openxmlformats.org/officeDocument/2006/customXml" ds:itemID="{AF506A69-CB65-41D0-9E76-2210A713824C}">
   <ds:schemaRefs>
-    <ds:schemaRef ds:uri="http://schemas.microsoft.com/sharepoint/v3/contenttype/forms"/>
+    <ds:schemaRef ds:uri="1eac365c-24b9-49f6-8b08-64a95c9e0c2d"/>
+    <ds:schemaRef ds:uri="a2be3752-dc5b-4cdd-a620-72e6c83e257b"/>
+    <ds:schemaRef ds:uri="http://purl.org/dc/elements/1.1/"/>
+    <ds:schemaRef ds:uri="http://purl.org/dc/terms/"/>
+    <ds:schemaRef ds:uri="http://schemas.microsoft.com/internal/obd"/>
+    <ds:schemaRef ds:uri="http://schemas.microsoft.com/office/2006/documentManagement/types"/>
+    <ds:schemaRef ds:uri="http://schemas.microsoft.com/office/2006/metadata/contentType"/>
+    <ds:schemaRef ds:uri="http://schemas.microsoft.com/office/2006/metadata/properties"/>
+    <ds:schemaRef ds:uri="http://schemas.microsoft.com/office/2006/metadata/properties/metaAttributes"/>
+    <ds:schemaRef ds:uri="http://schemas.microsoft.com/office/infopath/2007/PartnerControls"/>
+    <ds:schemaRef ds:uri="http://schemas.openxmlformats.org/package/2006/metadata/core-properties"/>
+    <ds:schemaRef ds:uri="http://www.w3.org/2001/XMLSchema"/>
   </ds:schemaRefs>
 </ds:datastoreItem>
 </file>
@@ -27788,20 +27799,9 @@
 </file>
 
 <file path=customXml/itemProps3.xml><?xml version="1.0" encoding="utf-8"?>
-<ds:datastoreItem xmlns:ds="http://schemas.openxmlformats.org/officeDocument/2006/customXml" ds:itemID="{AF506A69-CB65-41D0-9E76-2210A713824C}">
+<ds:datastoreItem xmlns:ds="http://schemas.openxmlformats.org/officeDocument/2006/customXml" ds:itemID="{B5E21315-3456-4FBC-8807-B24E962756AF}">
   <ds:schemaRefs>
-    <ds:schemaRef ds:uri="1eac365c-24b9-49f6-8b08-64a95c9e0c2d"/>
-    <ds:schemaRef ds:uri="a2be3752-dc5b-4cdd-a620-72e6c83e257b"/>
-    <ds:schemaRef ds:uri="http://purl.org/dc/elements/1.1/"/>
-    <ds:schemaRef ds:uri="http://purl.org/dc/terms/"/>
-    <ds:schemaRef ds:uri="http://schemas.microsoft.com/internal/obd"/>
-    <ds:schemaRef ds:uri="http://schemas.microsoft.com/office/2006/documentManagement/types"/>
-    <ds:schemaRef ds:uri="http://schemas.microsoft.com/office/2006/metadata/contentType"/>
-    <ds:schemaRef ds:uri="http://schemas.microsoft.com/office/2006/metadata/properties"/>
-    <ds:schemaRef ds:uri="http://schemas.microsoft.com/office/2006/metadata/properties/metaAttributes"/>
-    <ds:schemaRef ds:uri="http://schemas.microsoft.com/office/infopath/2007/PartnerControls"/>
-    <ds:schemaRef ds:uri="http://schemas.openxmlformats.org/package/2006/metadata/core-properties"/>
-    <ds:schemaRef ds:uri="http://www.w3.org/2001/XMLSchema"/>
+    <ds:schemaRef ds:uri="http://schemas.microsoft.com/sharepoint/v3/contenttype/forms"/>
   </ds:schemaRefs>
 </ds:datastoreItem>
 </file>
